--- a/Project/Context/TrainECG.context.pptx
+++ b/Project/Context/TrainECG.context.pptx
@@ -990,7 +990,7 @@
             <a:fld id="{1D8BD707-D9CF-40AE-B4C6-C98DA3205C09}" type="datetimeFigureOut">
               <a:rPr lang="en-US" smtClean="0"/>
               <a:pPr/>
-              <a:t>4/8/25</a:t>
+              <a:t>4/9/25</a:t>
             </a:fld>
             <a:endParaRPr lang="en-US"/>
           </a:p>
@@ -1155,7 +1155,7 @@
             <a:fld id="{1D8BD707-D9CF-40AE-B4C6-C98DA3205C09}" type="datetimeFigureOut">
               <a:rPr lang="en-US" smtClean="0"/>
               <a:pPr/>
-              <a:t>4/8/25</a:t>
+              <a:t>4/9/25</a:t>
             </a:fld>
             <a:endParaRPr lang="en-US"/>
           </a:p>
@@ -1330,7 +1330,7 @@
             <a:fld id="{1D8BD707-D9CF-40AE-B4C6-C98DA3205C09}" type="datetimeFigureOut">
               <a:rPr lang="en-US" smtClean="0"/>
               <a:pPr/>
-              <a:t>4/8/25</a:t>
+              <a:t>4/9/25</a:t>
             </a:fld>
             <a:endParaRPr lang="en-US"/>
           </a:p>
@@ -1495,7 +1495,7 @@
             <a:fld id="{1D8BD707-D9CF-40AE-B4C6-C98DA3205C09}" type="datetimeFigureOut">
               <a:rPr lang="en-US" smtClean="0"/>
               <a:pPr/>
-              <a:t>4/8/25</a:t>
+              <a:t>4/9/25</a:t>
             </a:fld>
             <a:endParaRPr lang="en-US"/>
           </a:p>
@@ -1737,7 +1737,7 @@
             <a:fld id="{1D8BD707-D9CF-40AE-B4C6-C98DA3205C09}" type="datetimeFigureOut">
               <a:rPr lang="en-US" smtClean="0"/>
               <a:pPr/>
-              <a:t>4/8/25</a:t>
+              <a:t>4/9/25</a:t>
             </a:fld>
             <a:endParaRPr lang="en-US"/>
           </a:p>
@@ -2019,7 +2019,7 @@
             <a:fld id="{1D8BD707-D9CF-40AE-B4C6-C98DA3205C09}" type="datetimeFigureOut">
               <a:rPr lang="en-US" smtClean="0"/>
               <a:pPr/>
-              <a:t>4/8/25</a:t>
+              <a:t>4/9/25</a:t>
             </a:fld>
             <a:endParaRPr lang="en-US"/>
           </a:p>
@@ -2435,7 +2435,7 @@
             <a:fld id="{1D8BD707-D9CF-40AE-B4C6-C98DA3205C09}" type="datetimeFigureOut">
               <a:rPr lang="en-US" smtClean="0"/>
               <a:pPr/>
-              <a:t>4/8/25</a:t>
+              <a:t>4/9/25</a:t>
             </a:fld>
             <a:endParaRPr lang="en-US"/>
           </a:p>
@@ -2549,7 +2549,7 @@
             <a:fld id="{1D8BD707-D9CF-40AE-B4C6-C98DA3205C09}" type="datetimeFigureOut">
               <a:rPr lang="en-US" smtClean="0"/>
               <a:pPr/>
-              <a:t>4/8/25</a:t>
+              <a:t>4/9/25</a:t>
             </a:fld>
             <a:endParaRPr lang="en-US"/>
           </a:p>
@@ -2641,7 +2641,7 @@
             <a:fld id="{1D8BD707-D9CF-40AE-B4C6-C98DA3205C09}" type="datetimeFigureOut">
               <a:rPr lang="en-US" smtClean="0"/>
               <a:pPr/>
-              <a:t>4/8/25</a:t>
+              <a:t>4/9/25</a:t>
             </a:fld>
             <a:endParaRPr lang="en-US"/>
           </a:p>
@@ -2913,7 +2913,7 @@
             <a:fld id="{1D8BD707-D9CF-40AE-B4C6-C98DA3205C09}" type="datetimeFigureOut">
               <a:rPr lang="en-US" smtClean="0"/>
               <a:pPr/>
-              <a:t>4/8/25</a:t>
+              <a:t>4/9/25</a:t>
             </a:fld>
             <a:endParaRPr lang="en-US"/>
           </a:p>
@@ -3162,7 +3162,7 @@
             <a:fld id="{1D8BD707-D9CF-40AE-B4C6-C98DA3205C09}" type="datetimeFigureOut">
               <a:rPr lang="en-US" smtClean="0"/>
               <a:pPr/>
-              <a:t>4/8/25</a:t>
+              <a:t>4/9/25</a:t>
             </a:fld>
             <a:endParaRPr lang="en-US"/>
           </a:p>
@@ -3370,7 +3370,7 @@
             <a:fld id="{1D8BD707-D9CF-40AE-B4C6-C98DA3205C09}" type="datetimeFigureOut">
               <a:rPr lang="en-US" smtClean="0"/>
               <a:pPr/>
-              <a:t>4/8/25</a:t>
+              <a:t>4/9/25</a:t>
             </a:fld>
             <a:endParaRPr lang="en-US"/>
           </a:p>
@@ -11107,7 +11107,7 @@
           <p:nvPr>
             <p:extLst>
               <p:ext uri="{D42A27DB-BD31-4B8C-83A1-F6EECF244321}">
-                <p14:modId xmlns:p14="http://schemas.microsoft.com/office/powerpoint/2010/main" val="1161765402"/>
+                <p14:modId xmlns:p14="http://schemas.microsoft.com/office/powerpoint/2010/main" val="1327986433"/>
               </p:ext>
             </p:extLst>
           </p:nvPr>
@@ -11247,12 +11247,12 @@
                     <a:p>
                       <a:pPr algn="ctr"/>
                       <a:r>
-                        <a:rPr lang="es-CO" sz="1200" kern="0">
+                        <a:rPr lang="es-CO" sz="1200" kern="0" dirty="0">
                           <a:effectLst/>
                         </a:rPr>
-                        <a:t>Impacto (1-5)</a:t>
-                      </a:r>
-                      <a:endParaRPr lang="es-CO" sz="1200" kern="100">
+                        <a:t>Impacto (1-3)</a:t>
+                      </a:r>
+                      <a:endParaRPr lang="es-CO" sz="1200" kern="100" dirty="0">
                         <a:effectLst/>
                         <a:latin typeface="Poppins" pitchFamily="2" charset="77"/>
                         <a:ea typeface="Aptos" panose="020B0004020202020204" pitchFamily="34" charset="0"/>
@@ -11269,12 +11269,12 @@
                     <a:p>
                       <a:pPr algn="ctr"/>
                       <a:r>
-                        <a:rPr lang="es-CO" sz="1200" kern="0">
+                        <a:rPr lang="es-CO" sz="1200" kern="0" dirty="0">
                           <a:effectLst/>
                         </a:rPr>
-                        <a:t>Dificultad (1-5)</a:t>
-                      </a:r>
-                      <a:endParaRPr lang="es-CO" sz="1200" kern="100">
+                        <a:t>Dificultad (1-3)</a:t>
+                      </a:r>
+                      <a:endParaRPr lang="es-CO" sz="1200" kern="100" dirty="0">
                         <a:effectLst/>
                         <a:latin typeface="Poppins" pitchFamily="2" charset="77"/>
                         <a:ea typeface="Aptos" panose="020B0004020202020204" pitchFamily="34" charset="0"/>
@@ -11408,10 +11408,35 @@
                     <a:p>
                       <a:pPr algn="ctr"/>
                       <a:r>
+                        <a:rPr lang="es-CO" sz="1200" kern="0" dirty="0">
+                          <a:effectLst/>
+                          <a:latin typeface="Poppins" pitchFamily="2" charset="77"/>
+                          <a:ea typeface="Aptos" panose="020B0004020202020204" pitchFamily="34" charset="0"/>
+                          <a:cs typeface="Poppins" pitchFamily="2" charset="77"/>
+                        </a:rPr>
+                        <a:t>3</a:t>
+                      </a:r>
+                      <a:endParaRPr lang="es-CO" sz="1200" kern="100" dirty="0">
+                        <a:effectLst/>
+                        <a:latin typeface="Poppins" pitchFamily="2" charset="77"/>
+                        <a:ea typeface="Aptos" panose="020B0004020202020204" pitchFamily="34" charset="0"/>
+                        <a:cs typeface="Poppins" pitchFamily="2" charset="77"/>
+                      </a:endParaRPr>
+                    </a:p>
+                  </a:txBody>
+                  <a:tcPr marL="47145" marR="47145" marT="0" marB="0"/>
+                </a:tc>
+                <a:tc>
+                  <a:txBody>
+                    <a:bodyPr/>
+                    <a:lstStyle/>
+                    <a:p>
+                      <a:pPr algn="ctr"/>
+                      <a:r>
                         <a:rPr lang="es-CO" sz="1200" kern="0">
                           <a:effectLst/>
                         </a:rPr>
-                        <a:t>5</a:t>
+                        <a:t>2</a:t>
                       </a:r>
                       <a:endParaRPr lang="es-CO" sz="1200" kern="100">
                         <a:effectLst/>
@@ -11433,7 +11458,7 @@
                         <a:rPr lang="es-CO" sz="1200" kern="0">
                           <a:effectLst/>
                         </a:rPr>
-                        <a:t>2</a:t>
+                        <a:t>22</a:t>
                       </a:r>
                       <a:endParaRPr lang="es-CO" sz="1200" kern="100">
                         <a:effectLst/>
@@ -11452,34 +11477,12 @@
                     <a:p>
                       <a:pPr algn="ctr"/>
                       <a:r>
-                        <a:rPr lang="es-CO" sz="1200" kern="0">
+                        <a:rPr lang="es-CO" sz="1200" kern="0" dirty="0">
                           <a:effectLst/>
                         </a:rPr>
-                        <a:t>22</a:t>
-                      </a:r>
-                      <a:endParaRPr lang="es-CO" sz="1200" kern="100">
-                        <a:effectLst/>
-                        <a:latin typeface="Poppins" pitchFamily="2" charset="77"/>
-                        <a:ea typeface="Aptos" panose="020B0004020202020204" pitchFamily="34" charset="0"/>
-                        <a:cs typeface="Poppins" pitchFamily="2" charset="77"/>
-                      </a:endParaRPr>
-                    </a:p>
-                  </a:txBody>
-                  <a:tcPr marL="47145" marR="47145" marT="0" marB="0"/>
-                </a:tc>
-                <a:tc>
-                  <a:txBody>
-                    <a:bodyPr/>
-                    <a:lstStyle/>
-                    <a:p>
-                      <a:pPr algn="ctr"/>
-                      <a:r>
-                        <a:rPr lang="es-CO" sz="1200" kern="0">
-                          <a:effectLst/>
-                        </a:rPr>
-                        <a:t>1.54</a:t>
-                      </a:r>
-                      <a:endParaRPr lang="es-CO" sz="1200" kern="100">
+                        <a:t>1.10</a:t>
+                      </a:r>
+                      <a:endParaRPr lang="es-CO" sz="1200" kern="100" dirty="0">
                         <a:effectLst/>
                         <a:latin typeface="Poppins" pitchFamily="2" charset="77"/>
                         <a:ea typeface="Aptos" panose="020B0004020202020204" pitchFamily="34" charset="0"/>
@@ -11569,10 +11572,60 @@
                     <a:p>
                       <a:pPr algn="ctr"/>
                       <a:r>
+                        <a:rPr lang="es-CO" sz="1200" kern="0" dirty="0">
+                          <a:effectLst/>
+                          <a:latin typeface="Poppins" pitchFamily="2" charset="77"/>
+                          <a:ea typeface="Aptos" panose="020B0004020202020204" pitchFamily="34" charset="0"/>
+                          <a:cs typeface="Poppins" pitchFamily="2" charset="77"/>
+                        </a:rPr>
+                        <a:t>3</a:t>
+                      </a:r>
+                      <a:endParaRPr lang="es-CO" sz="1200" kern="100" dirty="0">
+                        <a:effectLst/>
+                        <a:latin typeface="Poppins" pitchFamily="2" charset="77"/>
+                        <a:ea typeface="Aptos" panose="020B0004020202020204" pitchFamily="34" charset="0"/>
+                        <a:cs typeface="Poppins" pitchFamily="2" charset="77"/>
+                      </a:endParaRPr>
+                    </a:p>
+                  </a:txBody>
+                  <a:tcPr marL="47145" marR="47145" marT="0" marB="0"/>
+                </a:tc>
+                <a:tc>
+                  <a:txBody>
+                    <a:bodyPr/>
+                    <a:lstStyle/>
+                    <a:p>
+                      <a:pPr algn="ctr"/>
+                      <a:r>
+                        <a:rPr lang="es-CO" sz="1200" kern="0" dirty="0">
+                          <a:effectLst/>
+                          <a:latin typeface="Poppins" pitchFamily="2" charset="77"/>
+                          <a:ea typeface="Aptos" panose="020B0004020202020204" pitchFamily="34" charset="0"/>
+                          <a:cs typeface="Poppins" pitchFamily="2" charset="77"/>
+                        </a:rPr>
+                        <a:t>2</a:t>
+                      </a:r>
+                      <a:endParaRPr lang="es-CO" sz="1200" kern="100" dirty="0">
+                        <a:effectLst/>
+                        <a:latin typeface="Poppins" pitchFamily="2" charset="77"/>
+                        <a:ea typeface="Aptos" panose="020B0004020202020204" pitchFamily="34" charset="0"/>
+                        <a:cs typeface="Poppins" pitchFamily="2" charset="77"/>
+                      </a:endParaRPr>
+                    </a:p>
+                  </a:txBody>
+                  <a:tcPr marL="47145" marR="47145" marT="0" marB="0"/>
+                </a:tc>
+                <a:tc>
+                  <a:txBody>
+                    <a:bodyPr/>
+                    <a:lstStyle/>
+                    <a:p>
+                      <a:pPr algn="ctr"/>
+                      <a:r>
                         <a:rPr lang="es-CO" sz="1200" kern="0">
                           <a:effectLst/>
                         </a:rPr>
-                        <a:t>5</a:t>
+                        <a:t>18</a:t>
                       </a:r>
                       <a:endParaRPr lang="es-CO" sz="1200" kern="100">
                         <a:effectLst/>
@@ -11591,56 +11644,15 @@
                     <a:p>
                       <a:pPr algn="ctr"/>
                       <a:r>
-                        <a:rPr lang="es-CO" sz="1200" kern="0">
+                        <a:rPr lang="es-CO" sz="1200" kern="0" dirty="0">
                           <a:effectLst/>
-                        </a:rPr>
-                        <a:t>3</a:t>
-                      </a:r>
-                      <a:endParaRPr lang="es-CO" sz="1200" kern="100">
-                        <a:effectLst/>
-                        <a:latin typeface="Poppins" pitchFamily="2" charset="77"/>
-                        <a:ea typeface="Aptos" panose="020B0004020202020204" pitchFamily="34" charset="0"/>
-                        <a:cs typeface="Poppins" pitchFamily="2" charset="77"/>
-                      </a:endParaRPr>
-                    </a:p>
-                  </a:txBody>
-                  <a:tcPr marL="47145" marR="47145" marT="0" marB="0"/>
-                </a:tc>
-                <a:tc>
-                  <a:txBody>
-                    <a:bodyPr/>
-                    <a:lstStyle/>
-                    <a:p>
-                      <a:pPr algn="ctr"/>
-                      <a:r>
-                        <a:rPr lang="es-CO" sz="1200" kern="0">
-                          <a:effectLst/>
-                        </a:rPr>
-                        <a:t>18</a:t>
-                      </a:r>
-                      <a:endParaRPr lang="es-CO" sz="1200" kern="100">
-                        <a:effectLst/>
-                        <a:latin typeface="Poppins" pitchFamily="2" charset="77"/>
-                        <a:ea typeface="Aptos" panose="020B0004020202020204" pitchFamily="34" charset="0"/>
-                        <a:cs typeface="Poppins" pitchFamily="2" charset="77"/>
-                      </a:endParaRPr>
-                    </a:p>
-                  </a:txBody>
-                  <a:tcPr marL="47145" marR="47145" marT="0" marB="0"/>
-                </a:tc>
-                <a:tc>
-                  <a:txBody>
-                    <a:bodyPr/>
-                    <a:lstStyle/>
-                    <a:p>
-                      <a:pPr algn="ctr"/>
-                      <a:r>
-                        <a:rPr lang="es-CO" sz="1200" kern="0">
-                          <a:effectLst/>
-                        </a:rPr>
-                        <a:t>1.44</a:t>
-                      </a:r>
-                      <a:endParaRPr lang="es-CO" sz="1200" kern="100">
+                          <a:latin typeface="Poppins" pitchFamily="2" charset="77"/>
+                          <a:ea typeface="Aptos" panose="020B0004020202020204" pitchFamily="34" charset="0"/>
+                          <a:cs typeface="Poppins" pitchFamily="2" charset="77"/>
+                        </a:rPr>
+                        <a:t>0.90</a:t>
+                      </a:r>
+                      <a:endParaRPr lang="es-CO" sz="1200" kern="100" dirty="0">
                         <a:effectLst/>
                         <a:latin typeface="Poppins" pitchFamily="2" charset="77"/>
                         <a:ea typeface="Aptos" panose="020B0004020202020204" pitchFamily="34" charset="0"/>
@@ -11730,10 +11742,60 @@
                     <a:p>
                       <a:pPr algn="ctr"/>
                       <a:r>
+                        <a:rPr lang="es-CO" sz="1200" kern="0" dirty="0">
+                          <a:effectLst/>
+                          <a:latin typeface="Poppins" pitchFamily="2" charset="77"/>
+                          <a:ea typeface="Aptos" panose="020B0004020202020204" pitchFamily="34" charset="0"/>
+                          <a:cs typeface="Poppins" pitchFamily="2" charset="77"/>
+                        </a:rPr>
+                        <a:t>3</a:t>
+                      </a:r>
+                      <a:endParaRPr lang="es-CO" sz="1200" kern="100" dirty="0">
+                        <a:effectLst/>
+                        <a:latin typeface="Poppins" pitchFamily="2" charset="77"/>
+                        <a:ea typeface="Aptos" panose="020B0004020202020204" pitchFamily="34" charset="0"/>
+                        <a:cs typeface="Poppins" pitchFamily="2" charset="77"/>
+                      </a:endParaRPr>
+                    </a:p>
+                  </a:txBody>
+                  <a:tcPr marL="47145" marR="47145" marT="0" marB="0"/>
+                </a:tc>
+                <a:tc>
+                  <a:txBody>
+                    <a:bodyPr/>
+                    <a:lstStyle/>
+                    <a:p>
+                      <a:pPr algn="ctr"/>
+                      <a:r>
+                        <a:rPr lang="es-CO" sz="1200" kern="0" dirty="0">
+                          <a:effectLst/>
+                          <a:latin typeface="Poppins" pitchFamily="2" charset="77"/>
+                          <a:ea typeface="Aptos" panose="020B0004020202020204" pitchFamily="34" charset="0"/>
+                          <a:cs typeface="Poppins" pitchFamily="2" charset="77"/>
+                        </a:rPr>
+                        <a:t>3</a:t>
+                      </a:r>
+                      <a:endParaRPr lang="es-CO" sz="1200" kern="100" dirty="0">
+                        <a:effectLst/>
+                        <a:latin typeface="Poppins" pitchFamily="2" charset="77"/>
+                        <a:ea typeface="Aptos" panose="020B0004020202020204" pitchFamily="34" charset="0"/>
+                        <a:cs typeface="Poppins" pitchFamily="2" charset="77"/>
+                      </a:endParaRPr>
+                    </a:p>
+                  </a:txBody>
+                  <a:tcPr marL="47145" marR="47145" marT="0" marB="0"/>
+                </a:tc>
+                <a:tc>
+                  <a:txBody>
+                    <a:bodyPr/>
+                    <a:lstStyle/>
+                    <a:p>
+                      <a:pPr algn="ctr"/>
+                      <a:r>
                         <a:rPr lang="es-CO" sz="1200" kern="0">
                           <a:effectLst/>
                         </a:rPr>
-                        <a:t>5</a:t>
+                        <a:t>28</a:t>
                       </a:r>
                       <a:endParaRPr lang="es-CO" sz="1200" kern="100">
                         <a:effectLst/>
@@ -11752,56 +11814,15 @@
                     <a:p>
                       <a:pPr algn="ctr"/>
                       <a:r>
-                        <a:rPr lang="es-CO" sz="1200" kern="0">
+                        <a:rPr lang="es-CO" sz="1200" kern="0" dirty="0">
                           <a:effectLst/>
-                        </a:rPr>
-                        <a:t>4</a:t>
-                      </a:r>
-                      <a:endParaRPr lang="es-CO" sz="1200" kern="100">
-                        <a:effectLst/>
-                        <a:latin typeface="Poppins" pitchFamily="2" charset="77"/>
-                        <a:ea typeface="Aptos" panose="020B0004020202020204" pitchFamily="34" charset="0"/>
-                        <a:cs typeface="Poppins" pitchFamily="2" charset="77"/>
-                      </a:endParaRPr>
-                    </a:p>
-                  </a:txBody>
-                  <a:tcPr marL="47145" marR="47145" marT="0" marB="0"/>
-                </a:tc>
-                <a:tc>
-                  <a:txBody>
-                    <a:bodyPr/>
-                    <a:lstStyle/>
-                    <a:p>
-                      <a:pPr algn="ctr"/>
-                      <a:r>
-                        <a:rPr lang="es-CO" sz="1200" kern="0">
-                          <a:effectLst/>
-                        </a:rPr>
-                        <a:t>28</a:t>
-                      </a:r>
-                      <a:endParaRPr lang="es-CO" sz="1200" kern="100">
-                        <a:effectLst/>
-                        <a:latin typeface="Poppins" pitchFamily="2" charset="77"/>
-                        <a:ea typeface="Aptos" panose="020B0004020202020204" pitchFamily="34" charset="0"/>
-                        <a:cs typeface="Poppins" pitchFamily="2" charset="77"/>
-                      </a:endParaRPr>
-                    </a:p>
-                  </a:txBody>
-                  <a:tcPr marL="47145" marR="47145" marT="0" marB="0"/>
-                </a:tc>
-                <a:tc>
-                  <a:txBody>
-                    <a:bodyPr/>
-                    <a:lstStyle/>
-                    <a:p>
-                      <a:pPr algn="ctr"/>
-                      <a:r>
-                        <a:rPr lang="es-CO" sz="1200" kern="0">
-                          <a:effectLst/>
-                        </a:rPr>
-                        <a:t>2.52</a:t>
-                      </a:r>
-                      <a:endParaRPr lang="es-CO" sz="1200" kern="100">
+                          <a:latin typeface="Poppins" pitchFamily="2" charset="77"/>
+                          <a:ea typeface="Aptos" panose="020B0004020202020204" pitchFamily="34" charset="0"/>
+                          <a:cs typeface="Poppins" pitchFamily="2" charset="77"/>
+                        </a:rPr>
+                        <a:t>1.68</a:t>
+                      </a:r>
+                      <a:endParaRPr lang="es-CO" sz="1200" kern="100" dirty="0">
                         <a:effectLst/>
                         <a:latin typeface="Poppins" pitchFamily="2" charset="77"/>
                         <a:ea typeface="Aptos" panose="020B0004020202020204" pitchFamily="34" charset="0"/>
@@ -11891,10 +11912,60 @@
                     <a:p>
                       <a:pPr algn="ctr"/>
                       <a:r>
+                        <a:rPr lang="es-CO" sz="1200" kern="0" dirty="0">
+                          <a:effectLst/>
+                          <a:latin typeface="Poppins" pitchFamily="2" charset="77"/>
+                          <a:ea typeface="Aptos" panose="020B0004020202020204" pitchFamily="34" charset="0"/>
+                          <a:cs typeface="Poppins" pitchFamily="2" charset="77"/>
+                        </a:rPr>
+                        <a:t>2</a:t>
+                      </a:r>
+                      <a:endParaRPr lang="es-CO" sz="1200" kern="100" dirty="0">
+                        <a:effectLst/>
+                        <a:latin typeface="Poppins" pitchFamily="2" charset="77"/>
+                        <a:ea typeface="Aptos" panose="020B0004020202020204" pitchFamily="34" charset="0"/>
+                        <a:cs typeface="Poppins" pitchFamily="2" charset="77"/>
+                      </a:endParaRPr>
+                    </a:p>
+                  </a:txBody>
+                  <a:tcPr marL="47145" marR="47145" marT="0" marB="0"/>
+                </a:tc>
+                <a:tc>
+                  <a:txBody>
+                    <a:bodyPr/>
+                    <a:lstStyle/>
+                    <a:p>
+                      <a:pPr algn="ctr"/>
+                      <a:r>
+                        <a:rPr lang="es-CO" sz="1200" kern="0" dirty="0">
+                          <a:effectLst/>
+                          <a:latin typeface="Poppins" pitchFamily="2" charset="77"/>
+                          <a:ea typeface="Aptos" panose="020B0004020202020204" pitchFamily="34" charset="0"/>
+                          <a:cs typeface="Poppins" pitchFamily="2" charset="77"/>
+                        </a:rPr>
+                        <a:t>2</a:t>
+                      </a:r>
+                      <a:endParaRPr lang="es-CO" sz="1200" kern="100" dirty="0">
+                        <a:effectLst/>
+                        <a:latin typeface="Poppins" pitchFamily="2" charset="77"/>
+                        <a:ea typeface="Aptos" panose="020B0004020202020204" pitchFamily="34" charset="0"/>
+                        <a:cs typeface="Poppins" pitchFamily="2" charset="77"/>
+                      </a:endParaRPr>
+                    </a:p>
+                  </a:txBody>
+                  <a:tcPr marL="47145" marR="47145" marT="0" marB="0"/>
+                </a:tc>
+                <a:tc>
+                  <a:txBody>
+                    <a:bodyPr/>
+                    <a:lstStyle/>
+                    <a:p>
+                      <a:pPr algn="ctr"/>
+                      <a:r>
                         <a:rPr lang="es-CO" sz="1200" kern="0">
                           <a:effectLst/>
                         </a:rPr>
-                        <a:t>4</a:t>
+                        <a:t>12</a:t>
                       </a:r>
                       <a:endParaRPr lang="es-CO" sz="1200" kern="100">
                         <a:effectLst/>
@@ -11913,56 +11984,12 @@
                     <a:p>
                       <a:pPr algn="ctr"/>
                       <a:r>
-                        <a:rPr lang="es-CO" sz="1200" kern="0">
+                        <a:rPr lang="es-CO" sz="1200" kern="0" dirty="0">
                           <a:effectLst/>
                         </a:rPr>
-                        <a:t>3</a:t>
-                      </a:r>
-                      <a:endParaRPr lang="es-CO" sz="1200" kern="100">
-                        <a:effectLst/>
-                        <a:latin typeface="Poppins" pitchFamily="2" charset="77"/>
-                        <a:ea typeface="Aptos" panose="020B0004020202020204" pitchFamily="34" charset="0"/>
-                        <a:cs typeface="Poppins" pitchFamily="2" charset="77"/>
-                      </a:endParaRPr>
-                    </a:p>
-                  </a:txBody>
-                  <a:tcPr marL="47145" marR="47145" marT="0" marB="0"/>
-                </a:tc>
-                <a:tc>
-                  <a:txBody>
-                    <a:bodyPr/>
-                    <a:lstStyle/>
-                    <a:p>
-                      <a:pPr algn="ctr"/>
-                      <a:r>
-                        <a:rPr lang="es-CO" sz="1200" kern="0">
-                          <a:effectLst/>
-                        </a:rPr>
-                        <a:t>12</a:t>
-                      </a:r>
-                      <a:endParaRPr lang="es-CO" sz="1200" kern="100">
-                        <a:effectLst/>
-                        <a:latin typeface="Poppins" pitchFamily="2" charset="77"/>
-                        <a:ea typeface="Aptos" panose="020B0004020202020204" pitchFamily="34" charset="0"/>
-                        <a:cs typeface="Poppins" pitchFamily="2" charset="77"/>
-                      </a:endParaRPr>
-                    </a:p>
-                  </a:txBody>
-                  <a:tcPr marL="47145" marR="47145" marT="0" marB="0"/>
-                </a:tc>
-                <a:tc>
-                  <a:txBody>
-                    <a:bodyPr/>
-                    <a:lstStyle/>
-                    <a:p>
-                      <a:pPr algn="ctr"/>
-                      <a:r>
-                        <a:rPr lang="es-CO" sz="1200" kern="0">
-                          <a:effectLst/>
-                        </a:rPr>
-                        <a:t>0.84</a:t>
-                      </a:r>
-                      <a:endParaRPr lang="es-CO" sz="1200" kern="100">
+                        <a:t>0.48</a:t>
+                      </a:r>
+                      <a:endParaRPr lang="es-CO" sz="1200" kern="100" dirty="0">
                         <a:effectLst/>
                         <a:latin typeface="Poppins" pitchFamily="2" charset="77"/>
                         <a:ea typeface="Aptos" panose="020B0004020202020204" pitchFamily="34" charset="0"/>
@@ -12052,10 +12079,60 @@
                     <a:p>
                       <a:pPr algn="ctr"/>
                       <a:r>
+                        <a:rPr lang="es-CO" sz="1200" kern="0" dirty="0">
+                          <a:effectLst/>
+                          <a:latin typeface="Poppins" pitchFamily="2" charset="77"/>
+                          <a:ea typeface="Aptos" panose="020B0004020202020204" pitchFamily="34" charset="0"/>
+                          <a:cs typeface="Poppins" pitchFamily="2" charset="77"/>
+                        </a:rPr>
+                        <a:t>2</a:t>
+                      </a:r>
+                      <a:endParaRPr lang="es-CO" sz="1200" kern="100" dirty="0">
+                        <a:effectLst/>
+                        <a:latin typeface="Poppins" pitchFamily="2" charset="77"/>
+                        <a:ea typeface="Aptos" panose="020B0004020202020204" pitchFamily="34" charset="0"/>
+                        <a:cs typeface="Poppins" pitchFamily="2" charset="77"/>
+                      </a:endParaRPr>
+                    </a:p>
+                  </a:txBody>
+                  <a:tcPr marL="47145" marR="47145" marT="0" marB="0"/>
+                </a:tc>
+                <a:tc>
+                  <a:txBody>
+                    <a:bodyPr/>
+                    <a:lstStyle/>
+                    <a:p>
+                      <a:pPr algn="ctr"/>
+                      <a:r>
+                        <a:rPr lang="es-CO" sz="1200" kern="0" dirty="0">
+                          <a:effectLst/>
+                          <a:latin typeface="Poppins" pitchFamily="2" charset="77"/>
+                          <a:ea typeface="Aptos" panose="020B0004020202020204" pitchFamily="34" charset="0"/>
+                          <a:cs typeface="Poppins" pitchFamily="2" charset="77"/>
+                        </a:rPr>
+                        <a:t>1</a:t>
+                      </a:r>
+                      <a:endParaRPr lang="es-CO" sz="1200" kern="100" dirty="0">
+                        <a:effectLst/>
+                        <a:latin typeface="Poppins" pitchFamily="2" charset="77"/>
+                        <a:ea typeface="Aptos" panose="020B0004020202020204" pitchFamily="34" charset="0"/>
+                        <a:cs typeface="Poppins" pitchFamily="2" charset="77"/>
+                      </a:endParaRPr>
+                    </a:p>
+                  </a:txBody>
+                  <a:tcPr marL="47145" marR="47145" marT="0" marB="0"/>
+                </a:tc>
+                <a:tc>
+                  <a:txBody>
+                    <a:bodyPr/>
+                    <a:lstStyle/>
+                    <a:p>
+                      <a:pPr algn="ctr"/>
+                      <a:r>
                         <a:rPr lang="es-CO" sz="1200" kern="0">
                           <a:effectLst/>
                         </a:rPr>
-                        <a:t>3</a:t>
+                        <a:t>10</a:t>
                       </a:r>
                       <a:endParaRPr lang="es-CO" sz="1200" kern="100">
                         <a:effectLst/>
@@ -12074,56 +12151,12 @@
                     <a:p>
                       <a:pPr algn="ctr"/>
                       <a:r>
-                        <a:rPr lang="es-CO" sz="1200" kern="0">
+                        <a:rPr lang="es-CO" sz="1200" kern="0" dirty="0">
                           <a:effectLst/>
                         </a:rPr>
-                        <a:t>2</a:t>
-                      </a:r>
-                      <a:endParaRPr lang="es-CO" sz="1200" kern="100">
-                        <a:effectLst/>
-                        <a:latin typeface="Poppins" pitchFamily="2" charset="77"/>
-                        <a:ea typeface="Aptos" panose="020B0004020202020204" pitchFamily="34" charset="0"/>
-                        <a:cs typeface="Poppins" pitchFamily="2" charset="77"/>
-                      </a:endParaRPr>
-                    </a:p>
-                  </a:txBody>
-                  <a:tcPr marL="47145" marR="47145" marT="0" marB="0"/>
-                </a:tc>
-                <a:tc>
-                  <a:txBody>
-                    <a:bodyPr/>
-                    <a:lstStyle/>
-                    <a:p>
-                      <a:pPr algn="ctr"/>
-                      <a:r>
-                        <a:rPr lang="es-CO" sz="1200" kern="0">
-                          <a:effectLst/>
-                        </a:rPr>
-                        <a:t>10</a:t>
-                      </a:r>
-                      <a:endParaRPr lang="es-CO" sz="1200" kern="100">
-                        <a:effectLst/>
-                        <a:latin typeface="Poppins" pitchFamily="2" charset="77"/>
-                        <a:ea typeface="Aptos" panose="020B0004020202020204" pitchFamily="34" charset="0"/>
-                        <a:cs typeface="Poppins" pitchFamily="2" charset="77"/>
-                      </a:endParaRPr>
-                    </a:p>
-                  </a:txBody>
-                  <a:tcPr marL="47145" marR="47145" marT="0" marB="0"/>
-                </a:tc>
-                <a:tc>
-                  <a:txBody>
-                    <a:bodyPr/>
-                    <a:lstStyle/>
-                    <a:p>
-                      <a:pPr algn="ctr"/>
-                      <a:r>
-                        <a:rPr lang="es-CO" sz="1200" kern="0">
-                          <a:effectLst/>
-                        </a:rPr>
-                        <a:t>0.50</a:t>
-                      </a:r>
-                      <a:endParaRPr lang="es-CO" sz="1200" kern="100">
+                        <a:t>0.30</a:t>
+                      </a:r>
+                      <a:endParaRPr lang="es-CO" sz="1200" kern="100" dirty="0">
                         <a:effectLst/>
                         <a:latin typeface="Poppins" pitchFamily="2" charset="77"/>
                         <a:ea typeface="Aptos" panose="020B0004020202020204" pitchFamily="34" charset="0"/>
@@ -12213,10 +12246,60 @@
                     <a:p>
                       <a:pPr algn="ctr"/>
                       <a:r>
+                        <a:rPr lang="es-CO" sz="1200" kern="0" dirty="0">
+                          <a:effectLst/>
+                          <a:latin typeface="Poppins" pitchFamily="2" charset="77"/>
+                          <a:ea typeface="Aptos" panose="020B0004020202020204" pitchFamily="34" charset="0"/>
+                          <a:cs typeface="Poppins" pitchFamily="2" charset="77"/>
+                        </a:rPr>
+                        <a:t>2</a:t>
+                      </a:r>
+                      <a:endParaRPr lang="es-CO" sz="1200" kern="100" dirty="0">
+                        <a:effectLst/>
+                        <a:latin typeface="Poppins" pitchFamily="2" charset="77"/>
+                        <a:ea typeface="Aptos" panose="020B0004020202020204" pitchFamily="34" charset="0"/>
+                        <a:cs typeface="Poppins" pitchFamily="2" charset="77"/>
+                      </a:endParaRPr>
+                    </a:p>
+                  </a:txBody>
+                  <a:tcPr marL="47145" marR="47145" marT="0" marB="0"/>
+                </a:tc>
+                <a:tc>
+                  <a:txBody>
+                    <a:bodyPr/>
+                    <a:lstStyle/>
+                    <a:p>
+                      <a:pPr algn="ctr"/>
+                      <a:r>
+                        <a:rPr lang="es-CO" sz="1200" kern="0" dirty="0">
+                          <a:effectLst/>
+                          <a:latin typeface="Poppins" pitchFamily="2" charset="77"/>
+                          <a:ea typeface="Aptos" panose="020B0004020202020204" pitchFamily="34" charset="0"/>
+                          <a:cs typeface="Poppins" pitchFamily="2" charset="77"/>
+                        </a:rPr>
+                        <a:t>1</a:t>
+                      </a:r>
+                      <a:endParaRPr lang="es-CO" sz="1200" kern="100" dirty="0">
+                        <a:effectLst/>
+                        <a:latin typeface="Poppins" pitchFamily="2" charset="77"/>
+                        <a:ea typeface="Aptos" panose="020B0004020202020204" pitchFamily="34" charset="0"/>
+                        <a:cs typeface="Poppins" pitchFamily="2" charset="77"/>
+                      </a:endParaRPr>
+                    </a:p>
+                  </a:txBody>
+                  <a:tcPr marL="47145" marR="47145" marT="0" marB="0"/>
+                </a:tc>
+                <a:tc>
+                  <a:txBody>
+                    <a:bodyPr/>
+                    <a:lstStyle/>
+                    <a:p>
+                      <a:pPr algn="ctr"/>
+                      <a:r>
                         <a:rPr lang="es-CO" sz="1200" kern="0">
                           <a:effectLst/>
                         </a:rPr>
-                        <a:t>3</a:t>
+                        <a:t>10</a:t>
                       </a:r>
                       <a:endParaRPr lang="es-CO" sz="1200" kern="100">
                         <a:effectLst/>
@@ -12235,54 +12318,10 @@
                     <a:p>
                       <a:pPr algn="ctr"/>
                       <a:r>
-                        <a:rPr lang="es-CO" sz="1200" kern="0">
-                          <a:effectLst/>
-                        </a:rPr>
-                        <a:t>2</a:t>
-                      </a:r>
-                      <a:endParaRPr lang="es-CO" sz="1200" kern="100">
-                        <a:effectLst/>
-                        <a:latin typeface="Poppins" pitchFamily="2" charset="77"/>
-                        <a:ea typeface="Aptos" panose="020B0004020202020204" pitchFamily="34" charset="0"/>
-                        <a:cs typeface="Poppins" pitchFamily="2" charset="77"/>
-                      </a:endParaRPr>
-                    </a:p>
-                  </a:txBody>
-                  <a:tcPr marL="47145" marR="47145" marT="0" marB="0"/>
-                </a:tc>
-                <a:tc>
-                  <a:txBody>
-                    <a:bodyPr/>
-                    <a:lstStyle/>
-                    <a:p>
-                      <a:pPr algn="ctr"/>
-                      <a:r>
-                        <a:rPr lang="es-CO" sz="1200" kern="0">
-                          <a:effectLst/>
-                        </a:rPr>
-                        <a:t>10</a:t>
-                      </a:r>
-                      <a:endParaRPr lang="es-CO" sz="1200" kern="100">
-                        <a:effectLst/>
-                        <a:latin typeface="Poppins" pitchFamily="2" charset="77"/>
-                        <a:ea typeface="Aptos" panose="020B0004020202020204" pitchFamily="34" charset="0"/>
-                        <a:cs typeface="Poppins" pitchFamily="2" charset="77"/>
-                      </a:endParaRPr>
-                    </a:p>
-                  </a:txBody>
-                  <a:tcPr marL="47145" marR="47145" marT="0" marB="0"/>
-                </a:tc>
-                <a:tc>
-                  <a:txBody>
-                    <a:bodyPr/>
-                    <a:lstStyle/>
-                    <a:p>
-                      <a:pPr algn="ctr"/>
-                      <a:r>
                         <a:rPr lang="es-CO" sz="1200" kern="0" dirty="0">
                           <a:effectLst/>
                         </a:rPr>
-                        <a:t>0.50</a:t>
+                        <a:t>0.30</a:t>
                       </a:r>
                       <a:endParaRPr lang="es-CO" sz="1200" kern="100" dirty="0">
                         <a:effectLst/>

--- a/Project/Context/TrainECG.context.pptx
+++ b/Project/Context/TrainECG.context.pptx
@@ -5216,7 +5216,7 @@
         <p:spPr>
           <a:xfrm>
             <a:off x="573602" y="685800"/>
-            <a:ext cx="6821457" cy="3754874"/>
+            <a:ext cx="6821457" cy="3447098"/>
           </a:xfrm>
           <a:prstGeom prst="rect">
             <a:avLst/>
@@ -5251,17 +5251,17 @@
                 <a:cs typeface="Glacial Indifference"/>
                 <a:sym typeface="Glacial Indifference"/>
               </a:rPr>
-              <a:t> es una herramienta basada en aprendizaje profundo que tiene como objetivo  apoyar a estudiantes de medicina y médicos generales en la interpretación de electrocardiogramas (ECG) para la detección de arritmias cardíacas. Integra un modelo de clasificación validado por estándares AAMI y ofrece una interfaz educativa donde el usuario puede cargar o consultar trazos ECG, recibir predicciones automáticas y visualizar explicaciones del modelo con técnicas de interpretabilidad. Además, incluye módulos de práctica, retroalimentación formativa y evaluación para reforzar el aprendizaje.</a:t>
+              <a:t> es una herramienta que tiene como objetivo  apoyar a estudiantes de medicina y médicos generales en la interpretación de electrocardiogramas (ECG) para la detección de arritmias cardíacas. Integra un modelo de clasificación basado en aprendizaje profundo y ofrece una interfaz educativa donde el usuario puede cargar o consultar trazos ECG, recibir predicciones automáticas y visualizar explicaciones del modelo con técnicas de interpretabilidad. Además, incluye módulos de práctica, retroalimentación formativa y evaluación para reforzar el aprendizaje.</a:t>
             </a:r>
           </a:p>
         </p:txBody>
       </p:sp>
       <p:pic>
         <p:nvPicPr>
-          <p:cNvPr id="1026" name="Picture 2" descr="Descarga iconos gratuitos de Icono de Doctor en medicina Generic Outline  Color en PNG y SVG">
+          <p:cNvPr id="1030" name="Picture 6" descr="Estudiante - Iconos gratis de usuario">
             <a:extLst>
               <a:ext uri="{FF2B5EF4-FFF2-40B4-BE49-F238E27FC236}">
-                <a16:creationId xmlns:a16="http://schemas.microsoft.com/office/drawing/2014/main" id="{705D54CB-6CFA-C0A0-5C5C-D7E1A546A720}"/>
+                <a16:creationId xmlns:a16="http://schemas.microsoft.com/office/drawing/2014/main" id="{E2C99D91-C900-B782-7CE4-D63FED49E820}"/>
               </a:ext>
             </a:extLst>
           </p:cNvPr>
@@ -5285,54 +5285,7 @@
         </p:blipFill>
         <p:spPr bwMode="auto">
           <a:xfrm>
-            <a:off x="573602" y="4695584"/>
-            <a:ext cx="951706" cy="951706"/>
-          </a:xfrm>
-          <a:prstGeom prst="rect">
-            <a:avLst/>
-          </a:prstGeom>
-          <a:noFill/>
-          <a:extLst>
-            <a:ext uri="{909E8E84-426E-40DD-AFC4-6F175D3DCCD1}">
-              <a14:hiddenFill xmlns:a14="http://schemas.microsoft.com/office/drawing/2010/main">
-                <a:solidFill>
-                  <a:srgbClr val="FFFFFF"/>
-                </a:solidFill>
-              </a14:hiddenFill>
-            </a:ext>
-          </a:extLst>
-        </p:spPr>
-      </p:pic>
-      <p:pic>
-        <p:nvPicPr>
-          <p:cNvPr id="1030" name="Picture 6" descr="Estudiante - Iconos gratis de usuario">
-            <a:extLst>
-              <a:ext uri="{FF2B5EF4-FFF2-40B4-BE49-F238E27FC236}">
-                <a16:creationId xmlns:a16="http://schemas.microsoft.com/office/drawing/2014/main" id="{E2C99D91-C900-B782-7CE4-D63FED49E820}"/>
-              </a:ext>
-            </a:extLst>
-          </p:cNvPr>
-          <p:cNvPicPr>
-            <a:picLocks noChangeAspect="1" noChangeArrowheads="1"/>
-          </p:cNvPicPr>
-          <p:nvPr/>
-        </p:nvPicPr>
-        <p:blipFill>
-          <a:blip r:embed="rId7">
-            <a:extLst>
-              <a:ext uri="{28A0092B-C50C-407E-A947-70E740481C1C}">
-                <a14:useLocalDpi xmlns:a14="http://schemas.microsoft.com/office/drawing/2010/main" val="0"/>
-              </a:ext>
-            </a:extLst>
-          </a:blip>
-          <a:srcRect/>
-          <a:stretch>
-            <a:fillRect/>
-          </a:stretch>
-        </p:blipFill>
-        <p:spPr bwMode="auto">
-          <a:xfrm>
-            <a:off x="636050" y="5817016"/>
+            <a:off x="1400808" y="5818881"/>
             <a:ext cx="889258" cy="889258"/>
           </a:xfrm>
           <a:prstGeom prst="rect">
@@ -5350,988 +5303,6 @@
           </a:extLst>
         </p:spPr>
       </p:pic>
-      <p:sp>
-        <p:nvSpPr>
-          <p:cNvPr id="10" name="CuadroTexto 9">
-            <a:extLst>
-              <a:ext uri="{FF2B5EF4-FFF2-40B4-BE49-F238E27FC236}">
-                <a16:creationId xmlns:a16="http://schemas.microsoft.com/office/drawing/2014/main" id="{08F08DB5-5FA2-2BB6-A8FC-A13C87321827}"/>
-              </a:ext>
-            </a:extLst>
-          </p:cNvPr>
-          <p:cNvSpPr txBox="1"/>
-          <p:nvPr/>
-        </p:nvSpPr>
-        <p:spPr>
-          <a:xfrm>
-            <a:off x="1716602" y="5206217"/>
-            <a:ext cx="1981200" cy="1015663"/>
-          </a:xfrm>
-          <a:custGeom>
-            <a:avLst/>
-            <a:gdLst>
-              <a:gd name="connsiteX0" fmla="*/ 0 w 1981200"/>
-              <a:gd name="connsiteY0" fmla="*/ 0 h 1015663"/>
-              <a:gd name="connsiteX1" fmla="*/ 1981200 w 1981200"/>
-              <a:gd name="connsiteY1" fmla="*/ 0 h 1015663"/>
-              <a:gd name="connsiteX2" fmla="*/ 1981200 w 1981200"/>
-              <a:gd name="connsiteY2" fmla="*/ 1015663 h 1015663"/>
-              <a:gd name="connsiteX3" fmla="*/ 0 w 1981200"/>
-              <a:gd name="connsiteY3" fmla="*/ 1015663 h 1015663"/>
-              <a:gd name="connsiteX4" fmla="*/ 0 w 1981200"/>
-              <a:gd name="connsiteY4" fmla="*/ 0 h 1015663"/>
-            </a:gdLst>
-            <a:ahLst/>
-            <a:cxnLst>
-              <a:cxn ang="0">
-                <a:pos x="connsiteX0" y="connsiteY0"/>
-              </a:cxn>
-              <a:cxn ang="0">
-                <a:pos x="connsiteX1" y="connsiteY1"/>
-              </a:cxn>
-              <a:cxn ang="0">
-                <a:pos x="connsiteX2" y="connsiteY2"/>
-              </a:cxn>
-              <a:cxn ang="0">
-                <a:pos x="connsiteX3" y="connsiteY3"/>
-              </a:cxn>
-              <a:cxn ang="0">
-                <a:pos x="connsiteX4" y="connsiteY4"/>
-              </a:cxn>
-            </a:cxnLst>
-            <a:rect l="l" t="t" r="r" b="b"/>
-            <a:pathLst>
-              <a:path w="1981200" h="1015663" fill="none" extrusionOk="0">
-                <a:moveTo>
-                  <a:pt x="0" y="0"/>
-                </a:moveTo>
-                <a:cubicBezTo>
-                  <a:pt x="358649" y="-49533"/>
-                  <a:pt x="1637551" y="-14809"/>
-                  <a:pt x="1981200" y="0"/>
-                </a:cubicBezTo>
-                <a:cubicBezTo>
-                  <a:pt x="1895952" y="249582"/>
-                  <a:pt x="2062007" y="889491"/>
-                  <a:pt x="1981200" y="1015663"/>
-                </a:cubicBezTo>
-                <a:cubicBezTo>
-                  <a:pt x="1319567" y="967432"/>
-                  <a:pt x="764861" y="1100118"/>
-                  <a:pt x="0" y="1015663"/>
-                </a:cubicBezTo>
-                <a:cubicBezTo>
-                  <a:pt x="46534" y="691205"/>
-                  <a:pt x="35510" y="501986"/>
-                  <a:pt x="0" y="0"/>
-                </a:cubicBezTo>
-                <a:close/>
-              </a:path>
-              <a:path w="1981200" h="1015663" stroke="0" extrusionOk="0">
-                <a:moveTo>
-                  <a:pt x="0" y="0"/>
-                </a:moveTo>
-                <a:cubicBezTo>
-                  <a:pt x="799622" y="118645"/>
-                  <a:pt x="1090241" y="116012"/>
-                  <a:pt x="1981200" y="0"/>
-                </a:cubicBezTo>
-                <a:cubicBezTo>
-                  <a:pt x="1950086" y="243736"/>
-                  <a:pt x="1920970" y="806251"/>
-                  <a:pt x="1981200" y="1015663"/>
-                </a:cubicBezTo>
-                <a:cubicBezTo>
-                  <a:pt x="1074601" y="1150263"/>
-                  <a:pt x="226302" y="858467"/>
-                  <a:pt x="0" y="1015663"/>
-                </a:cubicBezTo>
-                <a:cubicBezTo>
-                  <a:pt x="-5118" y="569580"/>
-                  <a:pt x="57277" y="186099"/>
-                  <a:pt x="0" y="0"/>
-                </a:cubicBezTo>
-                <a:close/>
-              </a:path>
-            </a:pathLst>
-          </a:custGeom>
-          <a:ln>
-            <a:extLst>
-              <a:ext uri="{C807C97D-BFC1-408E-A445-0C87EB9F89A2}">
-                <ask:lineSketchStyleProps xmlns:ask="http://schemas.microsoft.com/office/drawing/2018/sketchyshapes" sd="1219033472">
-                  <a:prstGeom prst="rect">
-                    <a:avLst/>
-                  </a:prstGeom>
-                  <ask:type>
-                    <ask:lineSketchCurved/>
-                  </ask:type>
-                </ask:lineSketchStyleProps>
-              </a:ext>
-            </a:extLst>
-          </a:ln>
-        </p:spPr>
-        <p:style>
-          <a:lnRef idx="2">
-            <a:schemeClr val="accent1"/>
-          </a:lnRef>
-          <a:fillRef idx="1">
-            <a:schemeClr val="lt1"/>
-          </a:fillRef>
-          <a:effectRef idx="0">
-            <a:schemeClr val="accent1"/>
-          </a:effectRef>
-          <a:fontRef idx="minor">
-            <a:schemeClr val="dk1"/>
-          </a:fontRef>
-        </p:style>
-        <p:txBody>
-          <a:bodyPr wrap="square" rtlCol="0">
-            <a:spAutoFit/>
-          </a:bodyPr>
-          <a:lstStyle/>
-          <a:p>
-            <a:r>
-              <a:rPr lang="es-ES_tradnl" sz="1200" dirty="0"/>
-              <a:t>Interfaz interactiva </a:t>
-            </a:r>
-          </a:p>
-          <a:p>
-            <a:r>
-              <a:rPr lang="es-ES_tradnl" sz="1200" dirty="0"/>
-              <a:t>-Carga ECG</a:t>
-            </a:r>
-          </a:p>
-          <a:p>
-            <a:r>
-              <a:rPr lang="es-ES_tradnl" sz="1200" dirty="0"/>
-              <a:t>-Simulador de casos clínicos </a:t>
-            </a:r>
-          </a:p>
-          <a:p>
-            <a:r>
-              <a:rPr lang="es-ES_tradnl" sz="1200" dirty="0"/>
-              <a:t>-Evaluación con retroalimentación </a:t>
-            </a:r>
-          </a:p>
-        </p:txBody>
-      </p:sp>
-      <p:sp>
-        <p:nvSpPr>
-          <p:cNvPr id="11" name="CuadroTexto 10">
-            <a:extLst>
-              <a:ext uri="{FF2B5EF4-FFF2-40B4-BE49-F238E27FC236}">
-                <a16:creationId xmlns:a16="http://schemas.microsoft.com/office/drawing/2014/main" id="{983FBC51-6B5A-5360-B2CC-BE76B213ABD0}"/>
-              </a:ext>
-            </a:extLst>
-          </p:cNvPr>
-          <p:cNvSpPr txBox="1"/>
-          <p:nvPr/>
-        </p:nvSpPr>
-        <p:spPr>
-          <a:xfrm>
-            <a:off x="4231202" y="4666151"/>
-            <a:ext cx="2209800" cy="646331"/>
-          </a:xfrm>
-          <a:custGeom>
-            <a:avLst/>
-            <a:gdLst>
-              <a:gd name="connsiteX0" fmla="*/ 0 w 2209800"/>
-              <a:gd name="connsiteY0" fmla="*/ 0 h 646331"/>
-              <a:gd name="connsiteX1" fmla="*/ 2209800 w 2209800"/>
-              <a:gd name="connsiteY1" fmla="*/ 0 h 646331"/>
-              <a:gd name="connsiteX2" fmla="*/ 2209800 w 2209800"/>
-              <a:gd name="connsiteY2" fmla="*/ 646331 h 646331"/>
-              <a:gd name="connsiteX3" fmla="*/ 0 w 2209800"/>
-              <a:gd name="connsiteY3" fmla="*/ 646331 h 646331"/>
-              <a:gd name="connsiteX4" fmla="*/ 0 w 2209800"/>
-              <a:gd name="connsiteY4" fmla="*/ 0 h 646331"/>
-            </a:gdLst>
-            <a:ahLst/>
-            <a:cxnLst>
-              <a:cxn ang="0">
-                <a:pos x="connsiteX0" y="connsiteY0"/>
-              </a:cxn>
-              <a:cxn ang="0">
-                <a:pos x="connsiteX1" y="connsiteY1"/>
-              </a:cxn>
-              <a:cxn ang="0">
-                <a:pos x="connsiteX2" y="connsiteY2"/>
-              </a:cxn>
-              <a:cxn ang="0">
-                <a:pos x="connsiteX3" y="connsiteY3"/>
-              </a:cxn>
-              <a:cxn ang="0">
-                <a:pos x="connsiteX4" y="connsiteY4"/>
-              </a:cxn>
-            </a:cxnLst>
-            <a:rect l="l" t="t" r="r" b="b"/>
-            <a:pathLst>
-              <a:path w="2209800" h="646331" fill="none" extrusionOk="0">
-                <a:moveTo>
-                  <a:pt x="0" y="0"/>
-                </a:moveTo>
-                <a:cubicBezTo>
-                  <a:pt x="442815" y="-49533"/>
-                  <a:pt x="1660843" y="-14809"/>
-                  <a:pt x="2209800" y="0"/>
-                </a:cubicBezTo>
-                <a:cubicBezTo>
-                  <a:pt x="2224272" y="98201"/>
-                  <a:pt x="2190887" y="333819"/>
-                  <a:pt x="2209800" y="646331"/>
-                </a:cubicBezTo>
-                <a:cubicBezTo>
-                  <a:pt x="1463977" y="598100"/>
-                  <a:pt x="879029" y="730786"/>
-                  <a:pt x="0" y="646331"/>
-                </a:cubicBezTo>
-                <a:cubicBezTo>
-                  <a:pt x="46534" y="433830"/>
-                  <a:pt x="35510" y="136178"/>
-                  <a:pt x="0" y="0"/>
-                </a:cubicBezTo>
-                <a:close/>
-              </a:path>
-              <a:path w="2209800" h="646331" stroke="0" extrusionOk="0">
-                <a:moveTo>
-                  <a:pt x="0" y="0"/>
-                </a:moveTo>
-                <a:cubicBezTo>
-                  <a:pt x="1096865" y="118645"/>
-                  <a:pt x="1174254" y="116012"/>
-                  <a:pt x="2209800" y="0"/>
-                </a:cubicBezTo>
-                <a:cubicBezTo>
-                  <a:pt x="2162066" y="166119"/>
-                  <a:pt x="2249290" y="543217"/>
-                  <a:pt x="2209800" y="646331"/>
-                </a:cubicBezTo>
-                <a:cubicBezTo>
-                  <a:pt x="1462945" y="780931"/>
-                  <a:pt x="401119" y="489135"/>
-                  <a:pt x="0" y="646331"/>
-                </a:cubicBezTo>
-                <a:cubicBezTo>
-                  <a:pt x="44741" y="534667"/>
-                  <a:pt x="-25823" y="189070"/>
-                  <a:pt x="0" y="0"/>
-                </a:cubicBezTo>
-                <a:close/>
-              </a:path>
-            </a:pathLst>
-          </a:custGeom>
-          <a:ln>
-            <a:extLst>
-              <a:ext uri="{C807C97D-BFC1-408E-A445-0C87EB9F89A2}">
-                <ask:lineSketchStyleProps xmlns:ask="http://schemas.microsoft.com/office/drawing/2018/sketchyshapes" sd="1219033472">
-                  <a:prstGeom prst="rect">
-                    <a:avLst/>
-                  </a:prstGeom>
-                  <ask:type>
-                    <ask:lineSketchCurved/>
-                  </ask:type>
-                </ask:lineSketchStyleProps>
-              </a:ext>
-            </a:extLst>
-          </a:ln>
-        </p:spPr>
-        <p:style>
-          <a:lnRef idx="2">
-            <a:schemeClr val="accent2"/>
-          </a:lnRef>
-          <a:fillRef idx="1">
-            <a:schemeClr val="lt1"/>
-          </a:fillRef>
-          <a:effectRef idx="0">
-            <a:schemeClr val="accent2"/>
-          </a:effectRef>
-          <a:fontRef idx="minor">
-            <a:schemeClr val="dk1"/>
-          </a:fontRef>
-        </p:style>
-        <p:txBody>
-          <a:bodyPr wrap="square" rtlCol="0">
-            <a:spAutoFit/>
-          </a:bodyPr>
-          <a:lstStyle/>
-          <a:p>
-            <a:r>
-              <a:rPr lang="es-ES_tradnl" sz="1200" dirty="0"/>
-              <a:t>Modelo de IA</a:t>
-            </a:r>
-          </a:p>
-          <a:p>
-            <a:r>
-              <a:rPr lang="es-ES_tradnl" sz="1200" dirty="0"/>
-              <a:t>-Detecta arritmias</a:t>
-            </a:r>
-          </a:p>
-          <a:p>
-            <a:r>
-              <a:rPr lang="es-ES_tradnl" sz="1200" dirty="0"/>
-              <a:t>-Explica la predicción (XAI) </a:t>
-            </a:r>
-          </a:p>
-        </p:txBody>
-      </p:sp>
-      <p:sp>
-        <p:nvSpPr>
-          <p:cNvPr id="12" name="CuadroTexto 11">
-            <a:extLst>
-              <a:ext uri="{FF2B5EF4-FFF2-40B4-BE49-F238E27FC236}">
-                <a16:creationId xmlns:a16="http://schemas.microsoft.com/office/drawing/2014/main" id="{AF848499-85F4-B423-AA50-60A9ED78D89D}"/>
-              </a:ext>
-            </a:extLst>
-          </p:cNvPr>
-          <p:cNvSpPr txBox="1"/>
-          <p:nvPr/>
-        </p:nvSpPr>
-        <p:spPr>
-          <a:xfrm>
-            <a:off x="4231202" y="5636621"/>
-            <a:ext cx="2209800" cy="461665"/>
-          </a:xfrm>
-          <a:custGeom>
-            <a:avLst/>
-            <a:gdLst>
-              <a:gd name="connsiteX0" fmla="*/ 0 w 2209800"/>
-              <a:gd name="connsiteY0" fmla="*/ 0 h 461665"/>
-              <a:gd name="connsiteX1" fmla="*/ 2209800 w 2209800"/>
-              <a:gd name="connsiteY1" fmla="*/ 0 h 461665"/>
-              <a:gd name="connsiteX2" fmla="*/ 2209800 w 2209800"/>
-              <a:gd name="connsiteY2" fmla="*/ 461665 h 461665"/>
-              <a:gd name="connsiteX3" fmla="*/ 0 w 2209800"/>
-              <a:gd name="connsiteY3" fmla="*/ 461665 h 461665"/>
-              <a:gd name="connsiteX4" fmla="*/ 0 w 2209800"/>
-              <a:gd name="connsiteY4" fmla="*/ 0 h 461665"/>
-            </a:gdLst>
-            <a:ahLst/>
-            <a:cxnLst>
-              <a:cxn ang="0">
-                <a:pos x="connsiteX0" y="connsiteY0"/>
-              </a:cxn>
-              <a:cxn ang="0">
-                <a:pos x="connsiteX1" y="connsiteY1"/>
-              </a:cxn>
-              <a:cxn ang="0">
-                <a:pos x="connsiteX2" y="connsiteY2"/>
-              </a:cxn>
-              <a:cxn ang="0">
-                <a:pos x="connsiteX3" y="connsiteY3"/>
-              </a:cxn>
-              <a:cxn ang="0">
-                <a:pos x="connsiteX4" y="connsiteY4"/>
-              </a:cxn>
-            </a:cxnLst>
-            <a:rect l="l" t="t" r="r" b="b"/>
-            <a:pathLst>
-              <a:path w="2209800" h="461665" fill="none" extrusionOk="0">
-                <a:moveTo>
-                  <a:pt x="0" y="0"/>
-                </a:moveTo>
-                <a:cubicBezTo>
-                  <a:pt x="442815" y="-49533"/>
-                  <a:pt x="1660843" y="-14809"/>
-                  <a:pt x="2209800" y="0"/>
-                </a:cubicBezTo>
-                <a:cubicBezTo>
-                  <a:pt x="2207652" y="186521"/>
-                  <a:pt x="2207507" y="313513"/>
-                  <a:pt x="2209800" y="461665"/>
-                </a:cubicBezTo>
-                <a:cubicBezTo>
-                  <a:pt x="1463977" y="413434"/>
-                  <a:pt x="879029" y="546120"/>
-                  <a:pt x="0" y="461665"/>
-                </a:cubicBezTo>
-                <a:cubicBezTo>
-                  <a:pt x="-3326" y="342772"/>
-                  <a:pt x="-14350" y="47724"/>
-                  <a:pt x="0" y="0"/>
-                </a:cubicBezTo>
-                <a:close/>
-              </a:path>
-              <a:path w="2209800" h="461665" stroke="0" extrusionOk="0">
-                <a:moveTo>
-                  <a:pt x="0" y="0"/>
-                </a:moveTo>
-                <a:cubicBezTo>
-                  <a:pt x="1096865" y="118645"/>
-                  <a:pt x="1174254" y="116012"/>
-                  <a:pt x="2209800" y="0"/>
-                </a:cubicBezTo>
-                <a:cubicBezTo>
-                  <a:pt x="2228546" y="143527"/>
-                  <a:pt x="2182810" y="261265"/>
-                  <a:pt x="2209800" y="461665"/>
-                </a:cubicBezTo>
-                <a:cubicBezTo>
-                  <a:pt x="1462945" y="596265"/>
-                  <a:pt x="401119" y="304469"/>
-                  <a:pt x="0" y="461665"/>
-                </a:cubicBezTo>
-                <a:cubicBezTo>
-                  <a:pt x="11502" y="333756"/>
-                  <a:pt x="40657" y="173872"/>
-                  <a:pt x="0" y="0"/>
-                </a:cubicBezTo>
-                <a:close/>
-              </a:path>
-            </a:pathLst>
-          </a:custGeom>
-          <a:ln>
-            <a:extLst>
-              <a:ext uri="{C807C97D-BFC1-408E-A445-0C87EB9F89A2}">
-                <ask:lineSketchStyleProps xmlns:ask="http://schemas.microsoft.com/office/drawing/2018/sketchyshapes" sd="1219033472">
-                  <a:prstGeom prst="rect">
-                    <a:avLst/>
-                  </a:prstGeom>
-                  <ask:type>
-                    <ask:lineSketchCurved/>
-                  </ask:type>
-                </ask:lineSketchStyleProps>
-              </a:ext>
-            </a:extLst>
-          </a:ln>
-        </p:spPr>
-        <p:style>
-          <a:lnRef idx="2">
-            <a:schemeClr val="accent2"/>
-          </a:lnRef>
-          <a:fillRef idx="1">
-            <a:schemeClr val="lt1"/>
-          </a:fillRef>
-          <a:effectRef idx="0">
-            <a:schemeClr val="accent2"/>
-          </a:effectRef>
-          <a:fontRef idx="minor">
-            <a:schemeClr val="dk1"/>
-          </a:fontRef>
-        </p:style>
-        <p:txBody>
-          <a:bodyPr wrap="square" rtlCol="0">
-            <a:spAutoFit/>
-          </a:bodyPr>
-          <a:lstStyle/>
-          <a:p>
-            <a:r>
-              <a:rPr lang="es-ES_tradnl" sz="1200" dirty="0"/>
-              <a:t>Generador de casos</a:t>
-            </a:r>
-          </a:p>
-          <a:p>
-            <a:r>
-              <a:rPr lang="es-ES_tradnl" sz="1200" dirty="0"/>
-              <a:t>-Trazos ECG reales y simulados</a:t>
-            </a:r>
-          </a:p>
-        </p:txBody>
-      </p:sp>
-      <p:sp>
-        <p:nvSpPr>
-          <p:cNvPr id="13" name="CuadroTexto 12">
-            <a:extLst>
-              <a:ext uri="{FF2B5EF4-FFF2-40B4-BE49-F238E27FC236}">
-                <a16:creationId xmlns:a16="http://schemas.microsoft.com/office/drawing/2014/main" id="{C9AE06F9-2F09-5AF5-7A6D-3BA0C4547A2B}"/>
-              </a:ext>
-            </a:extLst>
-          </p:cNvPr>
-          <p:cNvSpPr txBox="1"/>
-          <p:nvPr/>
-        </p:nvSpPr>
-        <p:spPr>
-          <a:xfrm>
-            <a:off x="4253123" y="6435735"/>
-            <a:ext cx="2209800" cy="276999"/>
-          </a:xfrm>
-          <a:custGeom>
-            <a:avLst/>
-            <a:gdLst>
-              <a:gd name="connsiteX0" fmla="*/ 0 w 2209800"/>
-              <a:gd name="connsiteY0" fmla="*/ 0 h 276999"/>
-              <a:gd name="connsiteX1" fmla="*/ 2209800 w 2209800"/>
-              <a:gd name="connsiteY1" fmla="*/ 0 h 276999"/>
-              <a:gd name="connsiteX2" fmla="*/ 2209800 w 2209800"/>
-              <a:gd name="connsiteY2" fmla="*/ 276999 h 276999"/>
-              <a:gd name="connsiteX3" fmla="*/ 0 w 2209800"/>
-              <a:gd name="connsiteY3" fmla="*/ 276999 h 276999"/>
-              <a:gd name="connsiteX4" fmla="*/ 0 w 2209800"/>
-              <a:gd name="connsiteY4" fmla="*/ 0 h 276999"/>
-            </a:gdLst>
-            <a:ahLst/>
-            <a:cxnLst>
-              <a:cxn ang="0">
-                <a:pos x="connsiteX0" y="connsiteY0"/>
-              </a:cxn>
-              <a:cxn ang="0">
-                <a:pos x="connsiteX1" y="connsiteY1"/>
-              </a:cxn>
-              <a:cxn ang="0">
-                <a:pos x="connsiteX2" y="connsiteY2"/>
-              </a:cxn>
-              <a:cxn ang="0">
-                <a:pos x="connsiteX3" y="connsiteY3"/>
-              </a:cxn>
-              <a:cxn ang="0">
-                <a:pos x="connsiteX4" y="connsiteY4"/>
-              </a:cxn>
-            </a:cxnLst>
-            <a:rect l="l" t="t" r="r" b="b"/>
-            <a:pathLst>
-              <a:path w="2209800" h="276999" fill="none" extrusionOk="0">
-                <a:moveTo>
-                  <a:pt x="0" y="0"/>
-                </a:moveTo>
-                <a:cubicBezTo>
-                  <a:pt x="442815" y="-49533"/>
-                  <a:pt x="1660843" y="-14809"/>
-                  <a:pt x="2209800" y="0"/>
-                </a:cubicBezTo>
-                <a:cubicBezTo>
-                  <a:pt x="2224272" y="121756"/>
-                  <a:pt x="2207507" y="216885"/>
-                  <a:pt x="2209800" y="276999"/>
-                </a:cubicBezTo>
-                <a:cubicBezTo>
-                  <a:pt x="1463977" y="228768"/>
-                  <a:pt x="879029" y="361454"/>
-                  <a:pt x="0" y="276999"/>
-                </a:cubicBezTo>
-                <a:cubicBezTo>
-                  <a:pt x="13294" y="179544"/>
-                  <a:pt x="-14350" y="112173"/>
-                  <a:pt x="0" y="0"/>
-                </a:cubicBezTo>
-                <a:close/>
-              </a:path>
-              <a:path w="2209800" h="276999" stroke="0" extrusionOk="0">
-                <a:moveTo>
-                  <a:pt x="0" y="0"/>
-                </a:moveTo>
-                <a:cubicBezTo>
-                  <a:pt x="1096865" y="118645"/>
-                  <a:pt x="1174254" y="116012"/>
-                  <a:pt x="2209800" y="0"/>
-                </a:cubicBezTo>
-                <a:cubicBezTo>
-                  <a:pt x="2211926" y="41565"/>
-                  <a:pt x="2199430" y="194310"/>
-                  <a:pt x="2209800" y="276999"/>
-                </a:cubicBezTo>
-                <a:cubicBezTo>
-                  <a:pt x="1462945" y="411599"/>
-                  <a:pt x="401119" y="119803"/>
-                  <a:pt x="0" y="276999"/>
-                </a:cubicBezTo>
-                <a:cubicBezTo>
-                  <a:pt x="-5118" y="209672"/>
-                  <a:pt x="24037" y="126097"/>
-                  <a:pt x="0" y="0"/>
-                </a:cubicBezTo>
-                <a:close/>
-              </a:path>
-            </a:pathLst>
-          </a:custGeom>
-          <a:ln>
-            <a:extLst>
-              <a:ext uri="{C807C97D-BFC1-408E-A445-0C87EB9F89A2}">
-                <ask:lineSketchStyleProps xmlns:ask="http://schemas.microsoft.com/office/drawing/2018/sketchyshapes" sd="1219033472">
-                  <a:prstGeom prst="rect">
-                    <a:avLst/>
-                  </a:prstGeom>
-                  <ask:type>
-                    <ask:lineSketchCurved/>
-                  </ask:type>
-                </ask:lineSketchStyleProps>
-              </a:ext>
-            </a:extLst>
-          </a:ln>
-        </p:spPr>
-        <p:style>
-          <a:lnRef idx="2">
-            <a:schemeClr val="accent2"/>
-          </a:lnRef>
-          <a:fillRef idx="1">
-            <a:schemeClr val="lt1"/>
-          </a:fillRef>
-          <a:effectRef idx="0">
-            <a:schemeClr val="accent2"/>
-          </a:effectRef>
-          <a:fontRef idx="minor">
-            <a:schemeClr val="dk1"/>
-          </a:fontRef>
-        </p:style>
-        <p:txBody>
-          <a:bodyPr wrap="square" rtlCol="0">
-            <a:spAutoFit/>
-          </a:bodyPr>
-          <a:lstStyle/>
-          <a:p>
-            <a:r>
-              <a:rPr lang="es-ES_tradnl" sz="1200" dirty="0"/>
-              <a:t>Modulo evaluaciones</a:t>
-            </a:r>
-          </a:p>
-        </p:txBody>
-      </p:sp>
-      <p:sp>
-        <p:nvSpPr>
-          <p:cNvPr id="14" name="CuadroTexto 13">
-            <a:extLst>
-              <a:ext uri="{FF2B5EF4-FFF2-40B4-BE49-F238E27FC236}">
-                <a16:creationId xmlns:a16="http://schemas.microsoft.com/office/drawing/2014/main" id="{3CEB74CA-4B5D-89FE-4513-D3B19C65E42E}"/>
-              </a:ext>
-            </a:extLst>
-          </p:cNvPr>
-          <p:cNvSpPr txBox="1"/>
-          <p:nvPr/>
-        </p:nvSpPr>
-        <p:spPr>
-          <a:xfrm>
-            <a:off x="6974402" y="5601287"/>
-            <a:ext cx="1647149" cy="276999"/>
-          </a:xfrm>
-          <a:custGeom>
-            <a:avLst/>
-            <a:gdLst>
-              <a:gd name="connsiteX0" fmla="*/ 0 w 1647149"/>
-              <a:gd name="connsiteY0" fmla="*/ 0 h 276999"/>
-              <a:gd name="connsiteX1" fmla="*/ 1647149 w 1647149"/>
-              <a:gd name="connsiteY1" fmla="*/ 0 h 276999"/>
-              <a:gd name="connsiteX2" fmla="*/ 1647149 w 1647149"/>
-              <a:gd name="connsiteY2" fmla="*/ 276999 h 276999"/>
-              <a:gd name="connsiteX3" fmla="*/ 0 w 1647149"/>
-              <a:gd name="connsiteY3" fmla="*/ 276999 h 276999"/>
-              <a:gd name="connsiteX4" fmla="*/ 0 w 1647149"/>
-              <a:gd name="connsiteY4" fmla="*/ 0 h 276999"/>
-            </a:gdLst>
-            <a:ahLst/>
-            <a:cxnLst>
-              <a:cxn ang="0">
-                <a:pos x="connsiteX0" y="connsiteY0"/>
-              </a:cxn>
-              <a:cxn ang="0">
-                <a:pos x="connsiteX1" y="connsiteY1"/>
-              </a:cxn>
-              <a:cxn ang="0">
-                <a:pos x="connsiteX2" y="connsiteY2"/>
-              </a:cxn>
-              <a:cxn ang="0">
-                <a:pos x="connsiteX3" y="connsiteY3"/>
-              </a:cxn>
-              <a:cxn ang="0">
-                <a:pos x="connsiteX4" y="connsiteY4"/>
-              </a:cxn>
-            </a:cxnLst>
-            <a:rect l="l" t="t" r="r" b="b"/>
-            <a:pathLst>
-              <a:path w="1647149" h="276999" fill="none" extrusionOk="0">
-                <a:moveTo>
-                  <a:pt x="0" y="0"/>
-                </a:moveTo>
-                <a:cubicBezTo>
-                  <a:pt x="444375" y="63963"/>
-                  <a:pt x="889148" y="-103913"/>
-                  <a:pt x="1647149" y="0"/>
-                </a:cubicBezTo>
-                <a:cubicBezTo>
-                  <a:pt x="1661621" y="121756"/>
-                  <a:pt x="1644856" y="216885"/>
-                  <a:pt x="1647149" y="276999"/>
-                </a:cubicBezTo>
-                <a:cubicBezTo>
-                  <a:pt x="866306" y="207864"/>
-                  <a:pt x="743100" y="391718"/>
-                  <a:pt x="0" y="276999"/>
-                </a:cubicBezTo>
-                <a:cubicBezTo>
-                  <a:pt x="13294" y="179544"/>
-                  <a:pt x="-14350" y="112173"/>
-                  <a:pt x="0" y="0"/>
-                </a:cubicBezTo>
-                <a:close/>
-              </a:path>
-              <a:path w="1647149" h="276999" stroke="0" extrusionOk="0">
-                <a:moveTo>
-                  <a:pt x="0" y="0"/>
-                </a:moveTo>
-                <a:cubicBezTo>
-                  <a:pt x="700326" y="-16137"/>
-                  <a:pt x="1209575" y="-27295"/>
-                  <a:pt x="1647149" y="0"/>
-                </a:cubicBezTo>
-                <a:cubicBezTo>
-                  <a:pt x="1649275" y="41565"/>
-                  <a:pt x="1636779" y="194310"/>
-                  <a:pt x="1647149" y="276999"/>
-                </a:cubicBezTo>
-                <a:cubicBezTo>
-                  <a:pt x="1109932" y="174807"/>
-                  <a:pt x="312965" y="196999"/>
-                  <a:pt x="0" y="276999"/>
-                </a:cubicBezTo>
-                <a:cubicBezTo>
-                  <a:pt x="-5118" y="209672"/>
-                  <a:pt x="24037" y="126097"/>
-                  <a:pt x="0" y="0"/>
-                </a:cubicBezTo>
-                <a:close/>
-              </a:path>
-            </a:pathLst>
-          </a:custGeom>
-          <a:ln>
-            <a:extLst>
-              <a:ext uri="{C807C97D-BFC1-408E-A445-0C87EB9F89A2}">
-                <ask:lineSketchStyleProps xmlns:ask="http://schemas.microsoft.com/office/drawing/2018/sketchyshapes" sd="1219033472">
-                  <a:prstGeom prst="rect">
-                    <a:avLst/>
-                  </a:prstGeom>
-                  <ask:type>
-                    <ask:lineSketchCurved/>
-                  </ask:type>
-                </ask:lineSketchStyleProps>
-              </a:ext>
-            </a:extLst>
-          </a:ln>
-        </p:spPr>
-        <p:style>
-          <a:lnRef idx="2">
-            <a:schemeClr val="accent3"/>
-          </a:lnRef>
-          <a:fillRef idx="1">
-            <a:schemeClr val="lt1"/>
-          </a:fillRef>
-          <a:effectRef idx="0">
-            <a:schemeClr val="accent3"/>
-          </a:effectRef>
-          <a:fontRef idx="minor">
-            <a:schemeClr val="dk1"/>
-          </a:fontRef>
-        </p:style>
-        <p:txBody>
-          <a:bodyPr wrap="square" rtlCol="0">
-            <a:spAutoFit/>
-          </a:bodyPr>
-          <a:lstStyle/>
-          <a:p>
-            <a:r>
-              <a:rPr lang="es-ES_tradnl" sz="1200" dirty="0"/>
-              <a:t>retroalimentación</a:t>
-            </a:r>
-          </a:p>
-        </p:txBody>
-      </p:sp>
-      <p:cxnSp>
-        <p:nvCxnSpPr>
-          <p:cNvPr id="16" name="Conector recto de flecha 15">
-            <a:extLst>
-              <a:ext uri="{FF2B5EF4-FFF2-40B4-BE49-F238E27FC236}">
-                <a16:creationId xmlns:a16="http://schemas.microsoft.com/office/drawing/2014/main" id="{6A916090-74E0-BE52-15A0-14E4CBEA8343}"/>
-              </a:ext>
-            </a:extLst>
-          </p:cNvPr>
-          <p:cNvCxnSpPr>
-            <a:stCxn id="10" idx="3"/>
-          </p:cNvCxnSpPr>
-          <p:nvPr/>
-        </p:nvCxnSpPr>
-        <p:spPr>
-          <a:xfrm flipV="1">
-            <a:off x="3697802" y="4989316"/>
-            <a:ext cx="533400" cy="724733"/>
-          </a:xfrm>
-          <a:prstGeom prst="straightConnector1">
-            <a:avLst/>
-          </a:prstGeom>
-          <a:ln>
-            <a:tailEnd type="triangle"/>
-          </a:ln>
-        </p:spPr>
-        <p:style>
-          <a:lnRef idx="1">
-            <a:schemeClr val="dk1"/>
-          </a:lnRef>
-          <a:fillRef idx="0">
-            <a:schemeClr val="dk1"/>
-          </a:fillRef>
-          <a:effectRef idx="0">
-            <a:schemeClr val="dk1"/>
-          </a:effectRef>
-          <a:fontRef idx="minor">
-            <a:schemeClr val="tx1"/>
-          </a:fontRef>
-        </p:style>
-      </p:cxnSp>
-      <p:cxnSp>
-        <p:nvCxnSpPr>
-          <p:cNvPr id="17" name="Conector recto de flecha 16">
-            <a:extLst>
-              <a:ext uri="{FF2B5EF4-FFF2-40B4-BE49-F238E27FC236}">
-                <a16:creationId xmlns:a16="http://schemas.microsoft.com/office/drawing/2014/main" id="{F6CDF19C-DFD3-4AE3-AF65-4FBB162D76D8}"/>
-              </a:ext>
-            </a:extLst>
-          </p:cNvPr>
-          <p:cNvCxnSpPr>
-            <a:cxnSpLocks/>
-            <a:stCxn id="10" idx="3"/>
-          </p:cNvCxnSpPr>
-          <p:nvPr/>
-        </p:nvCxnSpPr>
-        <p:spPr>
-          <a:xfrm flipV="1">
-            <a:off x="3697802" y="5714048"/>
-            <a:ext cx="511479" cy="1"/>
-          </a:xfrm>
-          <a:prstGeom prst="straightConnector1">
-            <a:avLst/>
-          </a:prstGeom>
-          <a:ln>
-            <a:tailEnd type="triangle"/>
-          </a:ln>
-        </p:spPr>
-        <p:style>
-          <a:lnRef idx="1">
-            <a:schemeClr val="dk1"/>
-          </a:lnRef>
-          <a:fillRef idx="0">
-            <a:schemeClr val="dk1"/>
-          </a:fillRef>
-          <a:effectRef idx="0">
-            <a:schemeClr val="dk1"/>
-          </a:effectRef>
-          <a:fontRef idx="minor">
-            <a:schemeClr val="tx1"/>
-          </a:fontRef>
-        </p:style>
-      </p:cxnSp>
-      <p:cxnSp>
-        <p:nvCxnSpPr>
-          <p:cNvPr id="20" name="Conector recto de flecha 19">
-            <a:extLst>
-              <a:ext uri="{FF2B5EF4-FFF2-40B4-BE49-F238E27FC236}">
-                <a16:creationId xmlns:a16="http://schemas.microsoft.com/office/drawing/2014/main" id="{9177BF5D-B98F-A1F9-4F3B-59879681CFE2}"/>
-              </a:ext>
-            </a:extLst>
-          </p:cNvPr>
-          <p:cNvCxnSpPr>
-            <a:cxnSpLocks/>
-            <a:stCxn id="10" idx="3"/>
-            <a:endCxn id="13" idx="1"/>
-          </p:cNvCxnSpPr>
-          <p:nvPr/>
-        </p:nvCxnSpPr>
-        <p:spPr>
-          <a:xfrm>
-            <a:off x="3697802" y="5714049"/>
-            <a:ext cx="555321" cy="860186"/>
-          </a:xfrm>
-          <a:prstGeom prst="straightConnector1">
-            <a:avLst/>
-          </a:prstGeom>
-          <a:ln>
-            <a:tailEnd type="triangle"/>
-          </a:ln>
-        </p:spPr>
-        <p:style>
-          <a:lnRef idx="1">
-            <a:schemeClr val="dk1"/>
-          </a:lnRef>
-          <a:fillRef idx="0">
-            <a:schemeClr val="dk1"/>
-          </a:fillRef>
-          <a:effectRef idx="0">
-            <a:schemeClr val="dk1"/>
-          </a:effectRef>
-          <a:fontRef idx="minor">
-            <a:schemeClr val="tx1"/>
-          </a:fontRef>
-        </p:style>
-      </p:cxnSp>
-      <p:cxnSp>
-        <p:nvCxnSpPr>
-          <p:cNvPr id="23" name="Conector recto de flecha 22">
-            <a:extLst>
-              <a:ext uri="{FF2B5EF4-FFF2-40B4-BE49-F238E27FC236}">
-                <a16:creationId xmlns:a16="http://schemas.microsoft.com/office/drawing/2014/main" id="{F7D55F88-876D-7A9F-D824-FA0A88D91AD3}"/>
-              </a:ext>
-            </a:extLst>
-          </p:cNvPr>
-          <p:cNvCxnSpPr>
-            <a:cxnSpLocks/>
-            <a:stCxn id="11" idx="3"/>
-            <a:endCxn id="14" idx="1"/>
-          </p:cNvCxnSpPr>
-          <p:nvPr/>
-        </p:nvCxnSpPr>
-        <p:spPr>
-          <a:xfrm>
-            <a:off x="6441002" y="4989317"/>
-            <a:ext cx="533400" cy="750470"/>
-          </a:xfrm>
-          <a:prstGeom prst="straightConnector1">
-            <a:avLst/>
-          </a:prstGeom>
-          <a:ln>
-            <a:tailEnd type="triangle"/>
-          </a:ln>
-        </p:spPr>
-        <p:style>
-          <a:lnRef idx="1">
-            <a:schemeClr val="dk1"/>
-          </a:lnRef>
-          <a:fillRef idx="0">
-            <a:schemeClr val="dk1"/>
-          </a:fillRef>
-          <a:effectRef idx="0">
-            <a:schemeClr val="dk1"/>
-          </a:effectRef>
-          <a:fontRef idx="minor">
-            <a:schemeClr val="tx1"/>
-          </a:fontRef>
-        </p:style>
-      </p:cxnSp>
-      <p:cxnSp>
-        <p:nvCxnSpPr>
-          <p:cNvPr id="26" name="Conector recto de flecha 25">
-            <a:extLst>
-              <a:ext uri="{FF2B5EF4-FFF2-40B4-BE49-F238E27FC236}">
-                <a16:creationId xmlns:a16="http://schemas.microsoft.com/office/drawing/2014/main" id="{05A52D6A-C01E-D54E-8BD2-A2CDADCFF340}"/>
-              </a:ext>
-            </a:extLst>
-          </p:cNvPr>
-          <p:cNvCxnSpPr>
-            <a:cxnSpLocks/>
-            <a:endCxn id="14" idx="1"/>
-          </p:cNvCxnSpPr>
-          <p:nvPr/>
-        </p:nvCxnSpPr>
-        <p:spPr>
-          <a:xfrm flipV="1">
-            <a:off x="6425617" y="5739787"/>
-            <a:ext cx="548785" cy="7719"/>
-          </a:xfrm>
-          <a:prstGeom prst="straightConnector1">
-            <a:avLst/>
-          </a:prstGeom>
-          <a:ln>
-            <a:tailEnd type="triangle"/>
-          </a:ln>
-        </p:spPr>
-        <p:style>
-          <a:lnRef idx="1">
-            <a:schemeClr val="dk1"/>
-          </a:lnRef>
-          <a:fillRef idx="0">
-            <a:schemeClr val="dk1"/>
-          </a:fillRef>
-          <a:effectRef idx="0">
-            <a:schemeClr val="dk1"/>
-          </a:effectRef>
-          <a:fontRef idx="minor">
-            <a:schemeClr val="tx1"/>
-          </a:fontRef>
-        </p:style>
-      </p:cxnSp>
       <p:cxnSp>
         <p:nvCxnSpPr>
           <p:cNvPr id="29" name="Conector recto de flecha 28">
@@ -6343,15 +5314,13 @@
           </p:cNvPr>
           <p:cNvCxnSpPr>
             <a:cxnSpLocks/>
-            <a:stCxn id="13" idx="3"/>
-            <a:endCxn id="14" idx="1"/>
           </p:cNvCxnSpPr>
           <p:nvPr/>
         </p:nvCxnSpPr>
         <p:spPr>
-          <a:xfrm flipV="1">
-            <a:off x="6462923" y="5739787"/>
-            <a:ext cx="511479" cy="834448"/>
+          <a:xfrm>
+            <a:off x="4890116" y="5776685"/>
+            <a:ext cx="748684" cy="140635"/>
           </a:xfrm>
           <a:prstGeom prst="straightConnector1">
             <a:avLst/>
@@ -6386,14 +5355,13 @@
           </p:cNvPr>
           <p:cNvCxnSpPr>
             <a:cxnSpLocks/>
-            <a:endCxn id="10" idx="1"/>
           </p:cNvCxnSpPr>
           <p:nvPr/>
         </p:nvCxnSpPr>
         <p:spPr>
           <a:xfrm>
-            <a:off x="1397439" y="5404675"/>
-            <a:ext cx="319163" cy="309374"/>
+            <a:off x="2532750" y="5180647"/>
+            <a:ext cx="582570" cy="201188"/>
           </a:xfrm>
           <a:prstGeom prst="straightConnector1">
             <a:avLst/>
@@ -6428,14 +5396,243 @@
           </p:cNvPr>
           <p:cNvCxnSpPr>
             <a:cxnSpLocks/>
-            <a:endCxn id="10" idx="1"/>
           </p:cNvCxnSpPr>
           <p:nvPr/>
         </p:nvCxnSpPr>
         <p:spPr>
           <a:xfrm flipV="1">
-            <a:off x="1312752" y="5714049"/>
-            <a:ext cx="403850" cy="384237"/>
+            <a:off x="2434139" y="5776685"/>
+            <a:ext cx="724035" cy="281270"/>
+          </a:xfrm>
+          <a:prstGeom prst="straightConnector1">
+            <a:avLst/>
+          </a:prstGeom>
+          <a:ln>
+            <a:tailEnd type="triangle"/>
+          </a:ln>
+        </p:spPr>
+        <p:style>
+          <a:lnRef idx="1">
+            <a:schemeClr val="dk1"/>
+          </a:lnRef>
+          <a:fillRef idx="0">
+            <a:schemeClr val="dk1"/>
+          </a:fillRef>
+          <a:effectRef idx="0">
+            <a:schemeClr val="dk1"/>
+          </a:effectRef>
+          <a:fontRef idx="minor">
+            <a:schemeClr val="tx1"/>
+          </a:fontRef>
+        </p:style>
+      </p:cxnSp>
+      <p:pic>
+        <p:nvPicPr>
+          <p:cNvPr id="18" name="Imagen 17">
+            <a:extLst>
+              <a:ext uri="{FF2B5EF4-FFF2-40B4-BE49-F238E27FC236}">
+                <a16:creationId xmlns:a16="http://schemas.microsoft.com/office/drawing/2014/main" id="{FE6746C9-944C-0B0C-A606-1B63BE539623}"/>
+              </a:ext>
+            </a:extLst>
+          </p:cNvPr>
+          <p:cNvPicPr>
+            <a:picLocks noChangeAspect="1"/>
+          </p:cNvPicPr>
+          <p:nvPr/>
+        </p:nvPicPr>
+        <p:blipFill>
+          <a:blip r:embed="rId7">
+            <a:extLst>
+              <a:ext uri="{28A0092B-C50C-407E-A947-70E740481C1C}">
+                <a14:useLocalDpi xmlns:a14="http://schemas.microsoft.com/office/drawing/2010/main" val="0"/>
+              </a:ext>
+            </a:extLst>
+          </a:blip>
+          <a:stretch>
+            <a:fillRect/>
+          </a:stretch>
+        </p:blipFill>
+        <p:spPr>
+          <a:xfrm>
+            <a:off x="1169477" y="4675499"/>
+            <a:ext cx="1219200" cy="812800"/>
+          </a:xfrm>
+          <a:prstGeom prst="roundRect">
+            <a:avLst/>
+          </a:prstGeom>
+          <a:ln w="28575">
+            <a:solidFill>
+              <a:schemeClr val="tx2"/>
+            </a:solidFill>
+          </a:ln>
+        </p:spPr>
+      </p:pic>
+      <p:sp>
+        <p:nvSpPr>
+          <p:cNvPr id="21" name="Rectángulo redondeado 20">
+            <a:extLst>
+              <a:ext uri="{FF2B5EF4-FFF2-40B4-BE49-F238E27FC236}">
+                <a16:creationId xmlns:a16="http://schemas.microsoft.com/office/drawing/2014/main" id="{839C8C2C-4FFD-1A29-573B-EFC370167972}"/>
+              </a:ext>
+            </a:extLst>
+          </p:cNvPr>
+          <p:cNvSpPr/>
+          <p:nvPr/>
+        </p:nvSpPr>
+        <p:spPr>
+          <a:xfrm>
+            <a:off x="3302247" y="5081899"/>
+            <a:ext cx="1600200" cy="940216"/>
+          </a:xfrm>
+          <a:prstGeom prst="roundRect">
+            <a:avLst/>
+          </a:prstGeom>
+        </p:spPr>
+        <p:style>
+          <a:lnRef idx="2">
+            <a:schemeClr val="accent1">
+              <a:shade val="15000"/>
+            </a:schemeClr>
+          </a:lnRef>
+          <a:fillRef idx="1">
+            <a:schemeClr val="accent1"/>
+          </a:fillRef>
+          <a:effectRef idx="0">
+            <a:schemeClr val="accent1"/>
+          </a:effectRef>
+          <a:fontRef idx="minor">
+            <a:schemeClr val="lt1"/>
+          </a:fontRef>
+        </p:style>
+        <p:txBody>
+          <a:bodyPr rtlCol="0" anchor="ctr"/>
+          <a:lstStyle/>
+          <a:p>
+            <a:pPr algn="ctr"/>
+            <a:r>
+              <a:rPr lang="es-ES_tradnl" b="1" dirty="0"/>
+              <a:t>TrainECG</a:t>
+            </a:r>
+          </a:p>
+        </p:txBody>
+      </p:sp>
+      <p:sp>
+        <p:nvSpPr>
+          <p:cNvPr id="24" name="Redondear rectángulo de esquina diagonal 23">
+            <a:extLst>
+              <a:ext uri="{FF2B5EF4-FFF2-40B4-BE49-F238E27FC236}">
+                <a16:creationId xmlns:a16="http://schemas.microsoft.com/office/drawing/2014/main" id="{95428576-1799-F0C0-912A-B02E8E9CD89A}"/>
+              </a:ext>
+            </a:extLst>
+          </p:cNvPr>
+          <p:cNvSpPr/>
+          <p:nvPr/>
+        </p:nvSpPr>
+        <p:spPr>
+          <a:xfrm>
+            <a:off x="5767071" y="4811232"/>
+            <a:ext cx="1676400" cy="470108"/>
+          </a:xfrm>
+          <a:prstGeom prst="round2DiagRect">
+            <a:avLst/>
+          </a:prstGeom>
+        </p:spPr>
+        <p:style>
+          <a:lnRef idx="2">
+            <a:schemeClr val="accent3">
+              <a:shade val="15000"/>
+            </a:schemeClr>
+          </a:lnRef>
+          <a:fillRef idx="1">
+            <a:schemeClr val="accent3"/>
+          </a:fillRef>
+          <a:effectRef idx="0">
+            <a:schemeClr val="accent3"/>
+          </a:effectRef>
+          <a:fontRef idx="minor">
+            <a:schemeClr val="lt1"/>
+          </a:fontRef>
+        </p:style>
+        <p:txBody>
+          <a:bodyPr rtlCol="0" anchor="ctr"/>
+          <a:lstStyle/>
+          <a:p>
+            <a:pPr algn="ctr"/>
+            <a:r>
+              <a:rPr lang="es-ES_tradnl" dirty="0"/>
+              <a:t>Diagnóstico</a:t>
+            </a:r>
+          </a:p>
+        </p:txBody>
+      </p:sp>
+      <p:sp>
+        <p:nvSpPr>
+          <p:cNvPr id="27" name="Redondear rectángulo de esquina diagonal 26">
+            <a:extLst>
+              <a:ext uri="{FF2B5EF4-FFF2-40B4-BE49-F238E27FC236}">
+                <a16:creationId xmlns:a16="http://schemas.microsoft.com/office/drawing/2014/main" id="{9F4EE581-5561-7A0B-FA8A-167675F0BDA9}"/>
+              </a:ext>
+            </a:extLst>
+          </p:cNvPr>
+          <p:cNvSpPr/>
+          <p:nvPr/>
+        </p:nvSpPr>
+        <p:spPr>
+          <a:xfrm>
+            <a:off x="5708703" y="5682266"/>
+            <a:ext cx="1981200" cy="470108"/>
+          </a:xfrm>
+          <a:prstGeom prst="round2DiagRect">
+            <a:avLst/>
+          </a:prstGeom>
+        </p:spPr>
+        <p:style>
+          <a:lnRef idx="2">
+            <a:schemeClr val="accent3">
+              <a:shade val="15000"/>
+            </a:schemeClr>
+          </a:lnRef>
+          <a:fillRef idx="1">
+            <a:schemeClr val="accent3"/>
+          </a:fillRef>
+          <a:effectRef idx="0">
+            <a:schemeClr val="accent3"/>
+          </a:effectRef>
+          <a:fontRef idx="minor">
+            <a:schemeClr val="lt1"/>
+          </a:fontRef>
+        </p:style>
+        <p:txBody>
+          <a:bodyPr rtlCol="0" anchor="ctr"/>
+          <a:lstStyle/>
+          <a:p>
+            <a:pPr algn="ctr"/>
+            <a:r>
+              <a:rPr lang="es-ES_tradnl" dirty="0"/>
+              <a:t>Retroalimentación</a:t>
+            </a:r>
+          </a:p>
+        </p:txBody>
+      </p:sp>
+      <p:cxnSp>
+        <p:nvCxnSpPr>
+          <p:cNvPr id="31" name="Conector recto de flecha 30">
+            <a:extLst>
+              <a:ext uri="{FF2B5EF4-FFF2-40B4-BE49-F238E27FC236}">
+                <a16:creationId xmlns:a16="http://schemas.microsoft.com/office/drawing/2014/main" id="{B1E9A0D9-7C27-5578-461C-B1BE5DA9A826}"/>
+              </a:ext>
+            </a:extLst>
+          </p:cNvPr>
+          <p:cNvCxnSpPr>
+            <a:cxnSpLocks/>
+            <a:stCxn id="21" idx="3"/>
+          </p:cNvCxnSpPr>
+          <p:nvPr/>
+        </p:nvCxnSpPr>
+        <p:spPr>
+          <a:xfrm flipV="1">
+            <a:off x="4902447" y="5108793"/>
+            <a:ext cx="736353" cy="443214"/>
           </a:xfrm>
           <a:prstGeom prst="straightConnector1">
             <a:avLst/>
@@ -8964,14 +8161,14 @@
           <p:nvPr>
             <p:extLst>
               <p:ext uri="{D42A27DB-BD31-4B8C-83A1-F6EECF244321}">
-                <p14:modId xmlns:p14="http://schemas.microsoft.com/office/powerpoint/2010/main" val="1906586545"/>
+                <p14:modId xmlns:p14="http://schemas.microsoft.com/office/powerpoint/2010/main" val="76300446"/>
               </p:ext>
             </p:extLst>
           </p:nvPr>
         </p:nvGraphicFramePr>
         <p:xfrm>
           <a:off x="785876" y="762000"/>
-          <a:ext cx="8358124" cy="5867402"/>
+          <a:ext cx="8358124" cy="6519335"/>
         </p:xfrm>
         <a:graphic>
           <a:graphicData uri="http://schemas.openxmlformats.org/drawingml/2006/table">
@@ -10864,6 +10061,237 @@
                 <a:extLst>
                   <a:ext uri="{0D108BD9-81ED-4DB2-BD59-A6C34878D82A}">
                     <a16:rowId xmlns:a16="http://schemas.microsoft.com/office/drawing/2014/main" val="3592931177"/>
+                  </a:ext>
+                </a:extLst>
+              </a:tr>
+              <a:tr h="651933">
+                <a:tc>
+                  <a:txBody>
+                    <a:bodyPr/>
+                    <a:lstStyle/>
+                    <a:p>
+                      <a:pPr algn="ctr"/>
+                      <a:endParaRPr lang="es-CO" sz="1200" kern="100" dirty="0">
+                        <a:effectLst/>
+                        <a:latin typeface="Poppins" pitchFamily="2" charset="77"/>
+                        <a:ea typeface="Aptos" panose="020B0004020202020204" pitchFamily="34" charset="0"/>
+                        <a:cs typeface="Poppins" pitchFamily="2" charset="77"/>
+                      </a:endParaRPr>
+                    </a:p>
+                    <a:p>
+                      <a:pPr algn="ctr"/>
+                      <a:r>
+                        <a:rPr lang="es-CO" sz="1200" kern="100" dirty="0">
+                          <a:effectLst/>
+                          <a:latin typeface="Poppins" pitchFamily="2" charset="77"/>
+                          <a:ea typeface="Aptos" panose="020B0004020202020204" pitchFamily="34" charset="0"/>
+                          <a:cs typeface="Poppins" pitchFamily="2" charset="77"/>
+                        </a:rPr>
+                        <a:t>Total </a:t>
+                      </a:r>
+                    </a:p>
+                  </a:txBody>
+                  <a:tcPr marL="68580" marR="68580" marT="0" marB="0"/>
+                </a:tc>
+                <a:tc>
+                  <a:txBody>
+                    <a:bodyPr/>
+                    <a:lstStyle/>
+                    <a:p>
+                      <a:pPr algn="ctr"/>
+                      <a:endParaRPr lang="es-CO" sz="1200" kern="100" dirty="0">
+                        <a:effectLst/>
+                        <a:latin typeface="Poppins" pitchFamily="2" charset="77"/>
+                        <a:ea typeface="Aptos" panose="020B0004020202020204" pitchFamily="34" charset="0"/>
+                        <a:cs typeface="Poppins" pitchFamily="2" charset="77"/>
+                      </a:endParaRPr>
+                    </a:p>
+                    <a:p>
+                      <a:pPr algn="ctr"/>
+                      <a:r>
+                        <a:rPr lang="es-CO" sz="1200" kern="100" dirty="0">
+                          <a:effectLst/>
+                          <a:latin typeface="Poppins" pitchFamily="2" charset="77"/>
+                          <a:ea typeface="Aptos" panose="020B0004020202020204" pitchFamily="34" charset="0"/>
+                          <a:cs typeface="Poppins" pitchFamily="2" charset="77"/>
+                        </a:rPr>
+                        <a:t>21.11%</a:t>
+                      </a:r>
+                    </a:p>
+                  </a:txBody>
+                  <a:tcPr marL="68580" marR="68580" marT="0" marB="0"/>
+                </a:tc>
+                <a:tc>
+                  <a:txBody>
+                    <a:bodyPr/>
+                    <a:lstStyle/>
+                    <a:p>
+                      <a:pPr algn="ctr"/>
+                      <a:endParaRPr lang="es-CO" sz="1200" kern="100" dirty="0">
+                        <a:effectLst/>
+                        <a:latin typeface="Poppins" pitchFamily="2" charset="77"/>
+                        <a:ea typeface="Aptos" panose="020B0004020202020204" pitchFamily="34" charset="0"/>
+                        <a:cs typeface="Poppins" pitchFamily="2" charset="77"/>
+                      </a:endParaRPr>
+                    </a:p>
+                    <a:p>
+                      <a:pPr algn="ctr"/>
+                      <a:r>
+                        <a:rPr lang="es-CO" sz="1200" kern="100" dirty="0">
+                          <a:effectLst/>
+                          <a:latin typeface="Poppins" pitchFamily="2" charset="77"/>
+                          <a:ea typeface="Aptos" panose="020B0004020202020204" pitchFamily="34" charset="0"/>
+                          <a:cs typeface="Poppins" pitchFamily="2" charset="77"/>
+                        </a:rPr>
+                        <a:t>17.78%</a:t>
+                      </a:r>
+                    </a:p>
+                  </a:txBody>
+                  <a:tcPr marL="68580" marR="68580" marT="0" marB="0"/>
+                </a:tc>
+                <a:tc>
+                  <a:txBody>
+                    <a:bodyPr/>
+                    <a:lstStyle/>
+                    <a:p>
+                      <a:pPr algn="ctr"/>
+                      <a:endParaRPr lang="es-CO" sz="1200" kern="100" dirty="0">
+                        <a:effectLst/>
+                        <a:latin typeface="Poppins" pitchFamily="2" charset="77"/>
+                        <a:ea typeface="Aptos" panose="020B0004020202020204" pitchFamily="34" charset="0"/>
+                        <a:cs typeface="Poppins" pitchFamily="2" charset="77"/>
+                      </a:endParaRPr>
+                    </a:p>
+                    <a:p>
+                      <a:pPr algn="ctr"/>
+                      <a:r>
+                        <a:rPr lang="es-CO" sz="1200" kern="100" dirty="0">
+                          <a:effectLst/>
+                          <a:latin typeface="Poppins" pitchFamily="2" charset="77"/>
+                          <a:ea typeface="Aptos" panose="020B0004020202020204" pitchFamily="34" charset="0"/>
+                          <a:cs typeface="Poppins" pitchFamily="2" charset="77"/>
+                        </a:rPr>
+                        <a:t>28.33%</a:t>
+                      </a:r>
+                    </a:p>
+                  </a:txBody>
+                  <a:tcPr marL="68580" marR="68580" marT="0" marB="0"/>
+                </a:tc>
+                <a:tc>
+                  <a:txBody>
+                    <a:bodyPr/>
+                    <a:lstStyle/>
+                    <a:p>
+                      <a:pPr algn="ctr"/>
+                      <a:endParaRPr lang="es-CO" sz="1200" kern="100" dirty="0">
+                        <a:effectLst/>
+                        <a:latin typeface="Poppins" pitchFamily="2" charset="77"/>
+                        <a:ea typeface="Aptos" panose="020B0004020202020204" pitchFamily="34" charset="0"/>
+                        <a:cs typeface="Poppins" pitchFamily="2" charset="77"/>
+                      </a:endParaRPr>
+                    </a:p>
+                    <a:p>
+                      <a:pPr algn="ctr"/>
+                      <a:r>
+                        <a:rPr lang="es-CO" sz="1200" kern="100" dirty="0">
+                          <a:effectLst/>
+                          <a:latin typeface="Poppins" pitchFamily="2" charset="77"/>
+                          <a:ea typeface="Aptos" panose="020B0004020202020204" pitchFamily="34" charset="0"/>
+                          <a:cs typeface="Poppins" pitchFamily="2" charset="77"/>
+                        </a:rPr>
+                        <a:t>10%</a:t>
+                      </a:r>
+                    </a:p>
+                  </a:txBody>
+                  <a:tcPr marL="68580" marR="68580" marT="0" marB="0"/>
+                </a:tc>
+                <a:tc>
+                  <a:txBody>
+                    <a:bodyPr/>
+                    <a:lstStyle/>
+                    <a:p>
+                      <a:pPr algn="ctr"/>
+                      <a:endParaRPr lang="es-CO" sz="1200" kern="100" dirty="0">
+                        <a:effectLst/>
+                        <a:latin typeface="Poppins" pitchFamily="2" charset="77"/>
+                        <a:ea typeface="Aptos" panose="020B0004020202020204" pitchFamily="34" charset="0"/>
+                        <a:cs typeface="Poppins" pitchFamily="2" charset="77"/>
+                      </a:endParaRPr>
+                    </a:p>
+                    <a:p>
+                      <a:pPr algn="ctr"/>
+                      <a:r>
+                        <a:rPr lang="es-CO" sz="1200" kern="100" dirty="0">
+                          <a:effectLst/>
+                          <a:latin typeface="Poppins" pitchFamily="2" charset="77"/>
+                          <a:ea typeface="Aptos" panose="020B0004020202020204" pitchFamily="34" charset="0"/>
+                          <a:cs typeface="Poppins" pitchFamily="2" charset="77"/>
+                        </a:rPr>
+                        <a:t>12.22%</a:t>
+                      </a:r>
+                    </a:p>
+                  </a:txBody>
+                  <a:tcPr marL="68580" marR="68580" marT="0" marB="0"/>
+                </a:tc>
+                <a:tc>
+                  <a:txBody>
+                    <a:bodyPr/>
+                    <a:lstStyle/>
+                    <a:p>
+                      <a:pPr algn="ctr"/>
+                      <a:endParaRPr lang="es-CO" sz="1200" kern="100" dirty="0">
+                        <a:effectLst/>
+                        <a:latin typeface="Poppins" pitchFamily="2" charset="77"/>
+                        <a:ea typeface="Aptos" panose="020B0004020202020204" pitchFamily="34" charset="0"/>
+                        <a:cs typeface="Poppins" pitchFamily="2" charset="77"/>
+                      </a:endParaRPr>
+                    </a:p>
+                    <a:p>
+                      <a:pPr algn="ctr"/>
+                      <a:r>
+                        <a:rPr lang="es-CO" sz="1200" kern="100" dirty="0">
+                          <a:effectLst/>
+                          <a:latin typeface="Poppins" pitchFamily="2" charset="77"/>
+                          <a:ea typeface="Aptos" panose="020B0004020202020204" pitchFamily="34" charset="0"/>
+                          <a:cs typeface="Poppins" pitchFamily="2" charset="77"/>
+                        </a:rPr>
+                        <a:t>10.56%</a:t>
+                      </a:r>
+                    </a:p>
+                  </a:txBody>
+                  <a:tcPr marL="68580" marR="68580" marT="0" marB="0"/>
+                </a:tc>
+                <a:tc>
+                  <a:txBody>
+                    <a:bodyPr/>
+                    <a:lstStyle/>
+                    <a:p>
+                      <a:pPr algn="ctr"/>
+                      <a:endParaRPr lang="es-CO" sz="1200" kern="100" dirty="0">
+                        <a:effectLst/>
+                        <a:latin typeface="Poppins" pitchFamily="2" charset="77"/>
+                        <a:ea typeface="Aptos" panose="020B0004020202020204" pitchFamily="34" charset="0"/>
+                        <a:cs typeface="Poppins" pitchFamily="2" charset="77"/>
+                      </a:endParaRPr>
+                    </a:p>
+                    <a:p>
+                      <a:pPr algn="ctr"/>
+                      <a:r>
+                        <a:rPr lang="es-CO" sz="1200" kern="100" dirty="0">
+                          <a:effectLst/>
+                          <a:latin typeface="Poppins" pitchFamily="2" charset="77"/>
+                          <a:ea typeface="Aptos" panose="020B0004020202020204" pitchFamily="34" charset="0"/>
+                          <a:cs typeface="Poppins" pitchFamily="2" charset="77"/>
+                        </a:rPr>
+                        <a:t>100% </a:t>
+                      </a:r>
+                    </a:p>
+                  </a:txBody>
+                  <a:tcPr marL="68580" marR="68580" marT="0" marB="0"/>
+                </a:tc>
+                <a:extLst>
+                  <a:ext uri="{0D108BD9-81ED-4DB2-BD59-A6C34878D82A}">
+                    <a16:rowId xmlns:a16="http://schemas.microsoft.com/office/drawing/2014/main" val="2127737437"/>
                   </a:ext>
                 </a:extLst>
               </a:tr>

--- a/Project/Context/TrainECG.context.pptx
+++ b/Project/Context/TrainECG.context.pptx
@@ -5215,8 +5215,8 @@
         </p:nvSpPr>
         <p:spPr>
           <a:xfrm>
-            <a:off x="573602" y="685800"/>
-            <a:ext cx="6821457" cy="3447098"/>
+            <a:off x="450769" y="427109"/>
+            <a:ext cx="6821457" cy="4001095"/>
           </a:xfrm>
           <a:prstGeom prst="rect">
             <a:avLst/>
@@ -5230,7 +5230,7 @@
           <a:p>
             <a:pPr algn="just"/>
             <a:r>
-              <a:rPr lang="es-ES_tradnl" sz="2400" b="1" spc="78" dirty="0">
+              <a:rPr lang="es-ES_tradnl" sz="2000" b="1" spc="78" dirty="0">
                 <a:solidFill>
                   <a:srgbClr val="000000"/>
                 </a:solidFill>
@@ -5239,7 +5239,7 @@
                 <a:cs typeface="Glacial Indifference"/>
                 <a:sym typeface="Glacial Indifference"/>
               </a:rPr>
-              <a:t>TrainECG</a:t>
+              <a:t>TrainECG </a:t>
             </a:r>
             <a:r>
               <a:rPr lang="es-ES_tradnl" sz="2000" spc="78" dirty="0">
@@ -5251,7 +5251,7 @@
                 <a:cs typeface="Glacial Indifference"/>
                 <a:sym typeface="Glacial Indifference"/>
               </a:rPr>
-              <a:t> es una herramienta que tiene como objetivo  apoyar a estudiantes de medicina y médicos generales en la interpretación de electrocardiogramas (ECG) para la detección de arritmias cardíacas. Integra un modelo de clasificación basado en aprendizaje profundo y ofrece una interfaz educativa donde el usuario puede cargar o consultar trazos ECG, recibir predicciones automáticas y visualizar explicaciones del modelo con técnicas de interpretabilidad. Además, incluye módulos de práctica, retroalimentación formativa y evaluación para reforzar el aprendizaje.</a:t>
+              <a:t>es una herramienta diseñada para apoyar a estudiantes de medicina y médicos generales en la interpretación de electrocardiogramas (ECG) para la detección de arritmias cardíacas. La aplicación integra un modelo de clasificación basado en aprendizaje profundo y cuenta con una interfaz educativa que permite cargar o consultar trazos ECG, obtener predicciones automáticas y visualizar explicaciones del modelo mediante técnicas de interpretabilidad. Adicionalmente, incorpora módulos de práctica, retroalimentación formativa y evaluación para reforzar el aprendizaje, facilitando así tanto el entrenamiento como el apoyo diagnóstico clínico.</a:t>
             </a:r>
           </a:p>
         </p:txBody>

--- a/Project/Context/TrainECG.context.pptx
+++ b/Project/Context/TrainECG.context.pptx
@@ -242,7 +242,7 @@
           <a:p>
             <a:fld id="{76DE2DE2-6CB8-F54F-A779-CE3CACF3F3BA}" type="datetimeFigureOut">
               <a:rPr lang="es-ES_tradnl" smtClean="0"/>
-              <a:t>9/4/25</a:t>
+              <a:t>11/4/25</a:t>
             </a:fld>
             <a:endParaRPr lang="es-ES_tradnl"/>
           </a:p>
@@ -990,7 +990,7 @@
             <a:fld id="{1D8BD707-D9CF-40AE-B4C6-C98DA3205C09}" type="datetimeFigureOut">
               <a:rPr lang="en-US" smtClean="0"/>
               <a:pPr/>
-              <a:t>4/9/25</a:t>
+              <a:t>4/11/25</a:t>
             </a:fld>
             <a:endParaRPr lang="en-US"/>
           </a:p>
@@ -1155,7 +1155,7 @@
             <a:fld id="{1D8BD707-D9CF-40AE-B4C6-C98DA3205C09}" type="datetimeFigureOut">
               <a:rPr lang="en-US" smtClean="0"/>
               <a:pPr/>
-              <a:t>4/9/25</a:t>
+              <a:t>4/11/25</a:t>
             </a:fld>
             <a:endParaRPr lang="en-US"/>
           </a:p>
@@ -1330,7 +1330,7 @@
             <a:fld id="{1D8BD707-D9CF-40AE-B4C6-C98DA3205C09}" type="datetimeFigureOut">
               <a:rPr lang="en-US" smtClean="0"/>
               <a:pPr/>
-              <a:t>4/9/25</a:t>
+              <a:t>4/11/25</a:t>
             </a:fld>
             <a:endParaRPr lang="en-US"/>
           </a:p>
@@ -1495,7 +1495,7 @@
             <a:fld id="{1D8BD707-D9CF-40AE-B4C6-C98DA3205C09}" type="datetimeFigureOut">
               <a:rPr lang="en-US" smtClean="0"/>
               <a:pPr/>
-              <a:t>4/9/25</a:t>
+              <a:t>4/11/25</a:t>
             </a:fld>
             <a:endParaRPr lang="en-US"/>
           </a:p>
@@ -1737,7 +1737,7 @@
             <a:fld id="{1D8BD707-D9CF-40AE-B4C6-C98DA3205C09}" type="datetimeFigureOut">
               <a:rPr lang="en-US" smtClean="0"/>
               <a:pPr/>
-              <a:t>4/9/25</a:t>
+              <a:t>4/11/25</a:t>
             </a:fld>
             <a:endParaRPr lang="en-US"/>
           </a:p>
@@ -2019,7 +2019,7 @@
             <a:fld id="{1D8BD707-D9CF-40AE-B4C6-C98DA3205C09}" type="datetimeFigureOut">
               <a:rPr lang="en-US" smtClean="0"/>
               <a:pPr/>
-              <a:t>4/9/25</a:t>
+              <a:t>4/11/25</a:t>
             </a:fld>
             <a:endParaRPr lang="en-US"/>
           </a:p>
@@ -2435,7 +2435,7 @@
             <a:fld id="{1D8BD707-D9CF-40AE-B4C6-C98DA3205C09}" type="datetimeFigureOut">
               <a:rPr lang="en-US" smtClean="0"/>
               <a:pPr/>
-              <a:t>4/9/25</a:t>
+              <a:t>4/11/25</a:t>
             </a:fld>
             <a:endParaRPr lang="en-US"/>
           </a:p>
@@ -2549,7 +2549,7 @@
             <a:fld id="{1D8BD707-D9CF-40AE-B4C6-C98DA3205C09}" type="datetimeFigureOut">
               <a:rPr lang="en-US" smtClean="0"/>
               <a:pPr/>
-              <a:t>4/9/25</a:t>
+              <a:t>4/11/25</a:t>
             </a:fld>
             <a:endParaRPr lang="en-US"/>
           </a:p>
@@ -2641,7 +2641,7 @@
             <a:fld id="{1D8BD707-D9CF-40AE-B4C6-C98DA3205C09}" type="datetimeFigureOut">
               <a:rPr lang="en-US" smtClean="0"/>
               <a:pPr/>
-              <a:t>4/9/25</a:t>
+              <a:t>4/11/25</a:t>
             </a:fld>
             <a:endParaRPr lang="en-US"/>
           </a:p>
@@ -2913,7 +2913,7 @@
             <a:fld id="{1D8BD707-D9CF-40AE-B4C6-C98DA3205C09}" type="datetimeFigureOut">
               <a:rPr lang="en-US" smtClean="0"/>
               <a:pPr/>
-              <a:t>4/9/25</a:t>
+              <a:t>4/11/25</a:t>
             </a:fld>
             <a:endParaRPr lang="en-US"/>
           </a:p>
@@ -3162,7 +3162,7 @@
             <a:fld id="{1D8BD707-D9CF-40AE-B4C6-C98DA3205C09}" type="datetimeFigureOut">
               <a:rPr lang="en-US" smtClean="0"/>
               <a:pPr/>
-              <a:t>4/9/25</a:t>
+              <a:t>4/11/25</a:t>
             </a:fld>
             <a:endParaRPr lang="en-US"/>
           </a:p>
@@ -3370,7 +3370,7 @@
             <a:fld id="{1D8BD707-D9CF-40AE-B4C6-C98DA3205C09}" type="datetimeFigureOut">
               <a:rPr lang="en-US" smtClean="0"/>
               <a:pPr/>
-              <a:t>4/9/25</a:t>
+              <a:t>4/11/25</a:t>
             </a:fld>
             <a:endParaRPr lang="en-US"/>
           </a:p>
@@ -10535,14 +10535,14 @@
           <p:nvPr>
             <p:extLst>
               <p:ext uri="{D42A27DB-BD31-4B8C-83A1-F6EECF244321}">
-                <p14:modId xmlns:p14="http://schemas.microsoft.com/office/powerpoint/2010/main" val="1327986433"/>
+                <p14:modId xmlns:p14="http://schemas.microsoft.com/office/powerpoint/2010/main" val="2583405120"/>
               </p:ext>
             </p:extLst>
           </p:nvPr>
         </p:nvGraphicFramePr>
         <p:xfrm>
           <a:off x="457200" y="838200"/>
-          <a:ext cx="8839201" cy="5916504"/>
+          <a:ext cx="8839201" cy="6106734"/>
         </p:xfrm>
         <a:graphic>
           <a:graphicData uri="http://schemas.openxmlformats.org/drawingml/2006/table">
@@ -10770,17 +10770,242 @@
                     <a:p>
                       <a:pPr algn="ctr"/>
                       <a:r>
+                        <a:rPr lang="es-CO" sz="1200" kern="0" dirty="0">
+                          <a:effectLst/>
+                        </a:rPr>
+                        <a:t>Usabilidad</a:t>
+                      </a:r>
+                    </a:p>
+                    <a:p>
+                      <a:pPr marL="0" marR="0" lvl="0" indent="0" algn="ctr" defTabSz="914400" rtl="0" eaLnBrk="1" fontAlgn="auto" latinLnBrk="0" hangingPunct="1">
+                        <a:lnSpc>
+                          <a:spcPct val="100000"/>
+                        </a:lnSpc>
+                        <a:spcBef>
+                          <a:spcPts val="0"/>
+                        </a:spcBef>
+                        <a:spcAft>
+                          <a:spcPts val="0"/>
+                        </a:spcAft>
+                        <a:buClrTx/>
+                        <a:buSzTx/>
+                        <a:buFontTx/>
+                        <a:buNone/>
+                        <a:tabLst/>
+                        <a:defRPr/>
+                      </a:pPr>
+                      <a:r>
+                        <a:rPr lang="es-CO" sz="1000" kern="100" dirty="0">
+                          <a:effectLst/>
+                          <a:latin typeface="Poppins" pitchFamily="2" charset="77"/>
+                          <a:ea typeface="Aptos" panose="020B0004020202020204" pitchFamily="34" charset="0"/>
+                          <a:cs typeface="Poppins" pitchFamily="2" charset="77"/>
+                        </a:rPr>
+                        <a:t>Subcategoría ISO: </a:t>
+                      </a:r>
+                      <a:r>
+                        <a:rPr lang="es-CO" sz="1000" b="0" kern="100" dirty="0">
+                          <a:effectLst/>
+                          <a:latin typeface="Poppins" pitchFamily="2" charset="77"/>
+                          <a:ea typeface="Aptos" panose="020B0004020202020204" pitchFamily="34" charset="0"/>
+                          <a:cs typeface="Poppins" pitchFamily="2" charset="77"/>
+                        </a:rPr>
+                        <a:t>comprensibilidad</a:t>
+                      </a:r>
+                    </a:p>
+                    <a:p>
+                      <a:pPr algn="ctr"/>
+                      <a:endParaRPr lang="es-CO" sz="1200" kern="100" dirty="0">
+                        <a:effectLst/>
+                        <a:latin typeface="Poppins" pitchFamily="2" charset="77"/>
+                        <a:ea typeface="Aptos" panose="020B0004020202020204" pitchFamily="34" charset="0"/>
+                        <a:cs typeface="Poppins" pitchFamily="2" charset="77"/>
+                      </a:endParaRPr>
+                    </a:p>
+                  </a:txBody>
+                  <a:tcPr marL="47145" marR="47145" marT="0" marB="0"/>
+                </a:tc>
+                <a:tc>
+                  <a:txBody>
+                    <a:bodyPr/>
+                    <a:lstStyle/>
+                    <a:p>
+                      <a:pPr algn="ctr"/>
+                      <a:r>
                         <a:rPr lang="es-CO" sz="1200" kern="0">
                           <a:effectLst/>
                         </a:rPr>
+                        <a:t>Capacidad del sistema para explicar sus decisiones (XAI)</a:t>
+                      </a:r>
+                      <a:endParaRPr lang="es-CO" sz="1200" kern="100">
+                        <a:effectLst/>
+                        <a:latin typeface="Poppins" pitchFamily="2" charset="77"/>
+                        <a:ea typeface="Aptos" panose="020B0004020202020204" pitchFamily="34" charset="0"/>
+                        <a:cs typeface="Poppins" pitchFamily="2" charset="77"/>
+                      </a:endParaRPr>
+                    </a:p>
+                  </a:txBody>
+                  <a:tcPr marL="47145" marR="47145" marT="0" marB="0"/>
+                </a:tc>
+                <a:tc>
+                  <a:txBody>
+                    <a:bodyPr/>
+                    <a:lstStyle/>
+                    <a:p>
+                      <a:pPr algn="ctr"/>
+                      <a:r>
+                        <a:rPr lang="es-CO" sz="1200" kern="0">
+                          <a:effectLst/>
+                        </a:rPr>
+                        <a:t>Nivel de comprensión por usuario</a:t>
+                      </a:r>
+                      <a:endParaRPr lang="es-CO" sz="1200" kern="100">
+                        <a:effectLst/>
+                        <a:latin typeface="Poppins" pitchFamily="2" charset="77"/>
+                        <a:ea typeface="Aptos" panose="020B0004020202020204" pitchFamily="34" charset="0"/>
+                        <a:cs typeface="Poppins" pitchFamily="2" charset="77"/>
+                      </a:endParaRPr>
+                    </a:p>
+                  </a:txBody>
+                  <a:tcPr marL="47145" marR="47145" marT="0" marB="0"/>
+                </a:tc>
+                <a:tc>
+                  <a:txBody>
+                    <a:bodyPr/>
+                    <a:lstStyle/>
+                    <a:p>
+                      <a:pPr algn="ctr"/>
+                      <a:r>
+                        <a:rPr lang="es-CO" sz="1200" kern="0" dirty="0">
+                          <a:effectLst/>
+                          <a:latin typeface="Poppins" pitchFamily="2" charset="77"/>
+                          <a:ea typeface="Aptos" panose="020B0004020202020204" pitchFamily="34" charset="0"/>
+                          <a:cs typeface="Poppins" pitchFamily="2" charset="77"/>
+                        </a:rPr>
+                        <a:t>3</a:t>
+                      </a:r>
+                      <a:endParaRPr lang="es-CO" sz="1200" kern="100" dirty="0">
+                        <a:effectLst/>
+                        <a:latin typeface="Poppins" pitchFamily="2" charset="77"/>
+                        <a:ea typeface="Aptos" panose="020B0004020202020204" pitchFamily="34" charset="0"/>
+                        <a:cs typeface="Poppins" pitchFamily="2" charset="77"/>
+                      </a:endParaRPr>
+                    </a:p>
+                  </a:txBody>
+                  <a:tcPr marL="47145" marR="47145" marT="0" marB="0"/>
+                </a:tc>
+                <a:tc>
+                  <a:txBody>
+                    <a:bodyPr/>
+                    <a:lstStyle/>
+                    <a:p>
+                      <a:pPr algn="ctr"/>
+                      <a:r>
+                        <a:rPr lang="es-CO" sz="1200" kern="0" dirty="0">
+                          <a:effectLst/>
+                          <a:latin typeface="Poppins" pitchFamily="2" charset="77"/>
+                          <a:ea typeface="Aptos" panose="020B0004020202020204" pitchFamily="34" charset="0"/>
+                          <a:cs typeface="Poppins" pitchFamily="2" charset="77"/>
+                        </a:rPr>
+                        <a:t>3</a:t>
+                      </a:r>
+                      <a:endParaRPr lang="es-CO" sz="1200" kern="100" dirty="0">
+                        <a:effectLst/>
+                        <a:latin typeface="Poppins" pitchFamily="2" charset="77"/>
+                        <a:ea typeface="Aptos" panose="020B0004020202020204" pitchFamily="34" charset="0"/>
+                        <a:cs typeface="Poppins" pitchFamily="2" charset="77"/>
+                      </a:endParaRPr>
+                    </a:p>
+                  </a:txBody>
+                  <a:tcPr marL="47145" marR="47145" marT="0" marB="0"/>
+                </a:tc>
+                <a:tc>
+                  <a:txBody>
+                    <a:bodyPr/>
+                    <a:lstStyle/>
+                    <a:p>
+                      <a:pPr algn="ctr"/>
+                      <a:r>
+                        <a:rPr lang="es-CO" sz="1200" kern="0" dirty="0">
+                          <a:effectLst/>
+                        </a:rPr>
+                        <a:t>28</a:t>
+                      </a:r>
+                      <a:endParaRPr lang="es-CO" sz="1200" kern="100" dirty="0">
+                        <a:effectLst/>
+                        <a:latin typeface="Poppins" pitchFamily="2" charset="77"/>
+                        <a:ea typeface="Aptos" panose="020B0004020202020204" pitchFamily="34" charset="0"/>
+                        <a:cs typeface="Poppins" pitchFamily="2" charset="77"/>
+                      </a:endParaRPr>
+                    </a:p>
+                  </a:txBody>
+                  <a:tcPr marL="47145" marR="47145" marT="0" marB="0"/>
+                </a:tc>
+                <a:tc>
+                  <a:txBody>
+                    <a:bodyPr/>
+                    <a:lstStyle/>
+                    <a:p>
+                      <a:pPr algn="ctr"/>
+                      <a:r>
+                        <a:rPr lang="es-CO" sz="1200" kern="0" dirty="0">
+                          <a:effectLst/>
+                          <a:latin typeface="Poppins" pitchFamily="2" charset="77"/>
+                          <a:ea typeface="Aptos" panose="020B0004020202020204" pitchFamily="34" charset="0"/>
+                          <a:cs typeface="Poppins" pitchFamily="2" charset="77"/>
+                        </a:rPr>
+                        <a:t>1.68</a:t>
+                      </a:r>
+                      <a:endParaRPr lang="es-CO" sz="1200" kern="100" dirty="0">
+                        <a:effectLst/>
+                        <a:latin typeface="Poppins" pitchFamily="2" charset="77"/>
+                        <a:ea typeface="Aptos" panose="020B0004020202020204" pitchFamily="34" charset="0"/>
+                        <a:cs typeface="Poppins" pitchFamily="2" charset="77"/>
+                      </a:endParaRPr>
+                    </a:p>
+                  </a:txBody>
+                  <a:tcPr marL="47145" marR="47145" marT="0" marB="0"/>
+                </a:tc>
+                <a:extLst>
+                  <a:ext uri="{0D108BD9-81ED-4DB2-BD59-A6C34878D82A}">
+                    <a16:rowId xmlns:a16="http://schemas.microsoft.com/office/drawing/2014/main" val="1362181504"/>
+                  </a:ext>
+                </a:extLst>
+              </a:tr>
+              <a:tr h="1141380">
+                <a:tc>
+                  <a:txBody>
+                    <a:bodyPr/>
+                    <a:lstStyle/>
+                    <a:p>
+                      <a:pPr algn="ctr"/>
+                      <a:r>
+                        <a:rPr lang="es-CO" sz="1200" kern="0" dirty="0">
+                          <a:effectLst/>
+                        </a:rPr>
                         <a:t>Usabilidad</a:t>
                       </a:r>
-                      <a:endParaRPr lang="es-CO" sz="1200" kern="100">
-                        <a:effectLst/>
-                        <a:latin typeface="Poppins" pitchFamily="2" charset="77"/>
-                        <a:ea typeface="Aptos" panose="020B0004020202020204" pitchFamily="34" charset="0"/>
-                        <a:cs typeface="Poppins" pitchFamily="2" charset="77"/>
-                      </a:endParaRPr>
+                    </a:p>
+                    <a:p>
+                      <a:pPr algn="ctr"/>
+                      <a:r>
+                        <a:rPr lang="es-CO" sz="1000" kern="100" dirty="0">
+                          <a:effectLst/>
+                          <a:latin typeface="Poppins" pitchFamily="2" charset="77"/>
+                          <a:ea typeface="Aptos" panose="020B0004020202020204" pitchFamily="34" charset="0"/>
+                          <a:cs typeface="Poppins" pitchFamily="2" charset="77"/>
+                        </a:rPr>
+                        <a:t>Subcategoría ISO: </a:t>
+                      </a:r>
+                      <a:r>
+                        <a:rPr lang="es-CO" sz="1000" b="0" kern="100" dirty="0">
+                          <a:effectLst/>
+                          <a:latin typeface="Poppins" pitchFamily="2" charset="77"/>
+                          <a:ea typeface="Aptos" panose="020B0004020202020204" pitchFamily="34" charset="0"/>
+                          <a:cs typeface="Poppins" pitchFamily="2" charset="77"/>
+                        </a:rPr>
+                        <a:t>Operabilidad</a:t>
+                      </a:r>
                     </a:p>
                   </a:txBody>
                   <a:tcPr marL="47145" marR="47145" marT="0" marB="0"/>
@@ -10792,12 +11017,12 @@
                     <a:p>
                       <a:pPr algn="ctr"/>
                       <a:r>
-                        <a:rPr lang="es-CO" sz="1200" kern="0">
+                        <a:rPr lang="es-CO" sz="1200" kern="0" dirty="0">
                           <a:effectLst/>
                         </a:rPr>
                         <a:t>Facilidad de uso e interacción amigable para usuarios no expertos</a:t>
                       </a:r>
-                      <a:endParaRPr lang="es-CO" sz="1200" kern="100">
+                      <a:endParaRPr lang="es-CO" sz="1200" kern="100" dirty="0">
                         <a:effectLst/>
                         <a:latin typeface="Poppins" pitchFamily="2" charset="77"/>
                         <a:ea typeface="Aptos" panose="020B0004020202020204" pitchFamily="34" charset="0"/>
@@ -10933,152 +11158,69 @@
                     <a:lstStyle/>
                     <a:p>
                       <a:pPr algn="ctr"/>
-                      <a:r>
-                        <a:rPr lang="es-CO" sz="1200" kern="0">
+                      <a:endParaRPr lang="es-CO" sz="1200" kern="0" dirty="0">
+                        <a:effectLst/>
+                      </a:endParaRPr>
+                    </a:p>
+                    <a:p>
+                      <a:pPr algn="ctr"/>
+                      <a:r>
+                        <a:rPr lang="es-CO" sz="1200" kern="0" dirty="0">
                           <a:effectLst/>
                         </a:rPr>
                         <a:t>Fiabilidad</a:t>
                       </a:r>
-                      <a:endParaRPr lang="es-CO" sz="1200" kern="100">
-                        <a:effectLst/>
-                        <a:latin typeface="Poppins" pitchFamily="2" charset="77"/>
-                        <a:ea typeface="Aptos" panose="020B0004020202020204" pitchFamily="34" charset="0"/>
-                        <a:cs typeface="Poppins" pitchFamily="2" charset="77"/>
-                      </a:endParaRPr>
-                    </a:p>
-                  </a:txBody>
-                  <a:tcPr marL="47145" marR="47145" marT="0" marB="0"/>
-                </a:tc>
-                <a:tc>
-                  <a:txBody>
-                    <a:bodyPr/>
-                    <a:lstStyle/>
-                    <a:p>
-                      <a:pPr algn="ctr"/>
-                      <a:r>
-                        <a:rPr lang="es-CO" sz="1200" kern="0">
-                          <a:effectLst/>
-                        </a:rPr>
-                        <a:t>Precisión y consistencia en los diagnósticos de arritmias</a:t>
-                      </a:r>
-                      <a:endParaRPr lang="es-CO" sz="1200" kern="100">
-                        <a:effectLst/>
-                        <a:latin typeface="Poppins" pitchFamily="2" charset="77"/>
-                        <a:ea typeface="Aptos" panose="020B0004020202020204" pitchFamily="34" charset="0"/>
-                        <a:cs typeface="Poppins" pitchFamily="2" charset="77"/>
-                      </a:endParaRPr>
-                    </a:p>
-                  </a:txBody>
-                  <a:tcPr marL="47145" marR="47145" marT="0" marB="0"/>
-                </a:tc>
-                <a:tc>
-                  <a:txBody>
-                    <a:bodyPr/>
-                    <a:lstStyle/>
-                    <a:p>
-                      <a:pPr algn="ctr"/>
-                      <a:r>
-                        <a:rPr lang="es-CO" sz="1200" kern="0">
-                          <a:effectLst/>
-                        </a:rPr>
-                        <a:t>Tasa de falsos positivos/negativos</a:t>
-                      </a:r>
-                      <a:endParaRPr lang="es-CO" sz="1200" kern="100">
-                        <a:effectLst/>
-                        <a:latin typeface="Poppins" pitchFamily="2" charset="77"/>
-                        <a:ea typeface="Aptos" panose="020B0004020202020204" pitchFamily="34" charset="0"/>
-                        <a:cs typeface="Poppins" pitchFamily="2" charset="77"/>
-                      </a:endParaRPr>
-                    </a:p>
-                  </a:txBody>
-                  <a:tcPr marL="47145" marR="47145" marT="0" marB="0"/>
-                </a:tc>
-                <a:tc>
-                  <a:txBody>
-                    <a:bodyPr/>
-                    <a:lstStyle/>
-                    <a:p>
-                      <a:pPr algn="ctr"/>
-                      <a:r>
-                        <a:rPr lang="es-CO" sz="1200" kern="0" dirty="0">
+                    </a:p>
+                    <a:p>
+                      <a:pPr algn="ctr"/>
+                      <a:r>
+                        <a:rPr lang="es-CO" sz="1050" kern="100" dirty="0">
                           <a:effectLst/>
                           <a:latin typeface="Poppins" pitchFamily="2" charset="77"/>
                           <a:ea typeface="Aptos" panose="020B0004020202020204" pitchFamily="34" charset="0"/>
                           <a:cs typeface="Poppins" pitchFamily="2" charset="77"/>
                         </a:rPr>
-                        <a:t>3</a:t>
-                      </a:r>
-                      <a:endParaRPr lang="es-CO" sz="1200" kern="100" dirty="0">
-                        <a:effectLst/>
-                        <a:latin typeface="Poppins" pitchFamily="2" charset="77"/>
-                        <a:ea typeface="Aptos" panose="020B0004020202020204" pitchFamily="34" charset="0"/>
-                        <a:cs typeface="Poppins" pitchFamily="2" charset="77"/>
-                      </a:endParaRPr>
-                    </a:p>
-                  </a:txBody>
-                  <a:tcPr marL="47145" marR="47145" marT="0" marB="0"/>
-                </a:tc>
-                <a:tc>
-                  <a:txBody>
-                    <a:bodyPr/>
-                    <a:lstStyle/>
-                    <a:p>
-                      <a:pPr algn="ctr"/>
-                      <a:r>
-                        <a:rPr lang="es-CO" sz="1200" kern="0" dirty="0">
+                        <a:t>Subcategoría </a:t>
+                      </a:r>
+                      <a:r>
+                        <a:rPr lang="es-CO" sz="1050" b="1" kern="100" dirty="0">
                           <a:effectLst/>
                           <a:latin typeface="Poppins" pitchFamily="2" charset="77"/>
                           <a:ea typeface="Aptos" panose="020B0004020202020204" pitchFamily="34" charset="0"/>
                           <a:cs typeface="Poppins" pitchFamily="2" charset="77"/>
                         </a:rPr>
-                        <a:t>2</a:t>
-                      </a:r>
-                      <a:endParaRPr lang="es-CO" sz="1200" kern="100" dirty="0">
-                        <a:effectLst/>
-                        <a:latin typeface="Poppins" pitchFamily="2" charset="77"/>
-                        <a:ea typeface="Aptos" panose="020B0004020202020204" pitchFamily="34" charset="0"/>
-                        <a:cs typeface="Poppins" pitchFamily="2" charset="77"/>
-                      </a:endParaRPr>
-                    </a:p>
-                  </a:txBody>
-                  <a:tcPr marL="47145" marR="47145" marT="0" marB="0"/>
-                </a:tc>
-                <a:tc>
-                  <a:txBody>
-                    <a:bodyPr/>
-                    <a:lstStyle/>
-                    <a:p>
-                      <a:pPr algn="ctr"/>
-                      <a:r>
-                        <a:rPr lang="es-CO" sz="1200" kern="0">
-                          <a:effectLst/>
-                        </a:rPr>
-                        <a:t>18</a:t>
-                      </a:r>
-                      <a:endParaRPr lang="es-CO" sz="1200" kern="100">
-                        <a:effectLst/>
-                        <a:latin typeface="Poppins" pitchFamily="2" charset="77"/>
-                        <a:ea typeface="Aptos" panose="020B0004020202020204" pitchFamily="34" charset="0"/>
-                        <a:cs typeface="Poppins" pitchFamily="2" charset="77"/>
-                      </a:endParaRPr>
-                    </a:p>
-                  </a:txBody>
-                  <a:tcPr marL="47145" marR="47145" marT="0" marB="0"/>
-                </a:tc>
-                <a:tc>
-                  <a:txBody>
-                    <a:bodyPr/>
-                    <a:lstStyle/>
-                    <a:p>
-                      <a:pPr algn="ctr"/>
-                      <a:r>
-                        <a:rPr lang="es-CO" sz="1200" kern="0" dirty="0">
+                        <a:t>ISO: </a:t>
+                      </a:r>
+                      <a:r>
+                        <a:rPr lang="es-CO" sz="1050" b="0" kern="100" dirty="0">
                           <a:effectLst/>
                           <a:latin typeface="Poppins" pitchFamily="2" charset="77"/>
                           <a:ea typeface="Aptos" panose="020B0004020202020204" pitchFamily="34" charset="0"/>
                           <a:cs typeface="Poppins" pitchFamily="2" charset="77"/>
                         </a:rPr>
-                        <a:t>0.90</a:t>
+                        <a:t>Precisión</a:t>
+                      </a:r>
+                    </a:p>
+                  </a:txBody>
+                  <a:tcPr marL="47145" marR="47145" marT="0" marB="0"/>
+                </a:tc>
+                <a:tc>
+                  <a:txBody>
+                    <a:bodyPr/>
+                    <a:lstStyle/>
+                    <a:p>
+                      <a:pPr algn="ctr"/>
+                      <a:endParaRPr lang="es-CO" sz="1200" kern="0" dirty="0">
+                        <a:effectLst/>
+                      </a:endParaRPr>
+                    </a:p>
+                    <a:p>
+                      <a:pPr algn="ctr"/>
+                      <a:r>
+                        <a:rPr lang="es-CO" sz="1200" kern="0" dirty="0">
+                          <a:effectLst/>
+                        </a:rPr>
+                        <a:t>Precisión y consistencia en los diagnósticos de arritmias</a:t>
                       </a:r>
                       <a:endParaRPr lang="es-CO" sz="1200" kern="100" dirty="0">
                         <a:effectLst/>
@@ -11090,26 +11232,25 @@
                   </a:txBody>
                   <a:tcPr marL="47145" marR="47145" marT="0" marB="0"/>
                 </a:tc>
-                <a:extLst>
-                  <a:ext uri="{0D108BD9-81ED-4DB2-BD59-A6C34878D82A}">
-                    <a16:rowId xmlns:a16="http://schemas.microsoft.com/office/drawing/2014/main" val="3128484059"/>
-                  </a:ext>
-                </a:extLst>
-              </a:tr>
-              <a:tr h="951150">
-                <a:tc>
-                  <a:txBody>
-                    <a:bodyPr/>
-                    <a:lstStyle/>
-                    <a:p>
-                      <a:pPr algn="ctr"/>
-                      <a:r>
-                        <a:rPr lang="es-CO" sz="1200" kern="0">
-                          <a:effectLst/>
-                        </a:rPr>
-                        <a:t>Explicabilidad</a:t>
-                      </a:r>
-                      <a:endParaRPr lang="es-CO" sz="1200" kern="100">
+                <a:tc>
+                  <a:txBody>
+                    <a:bodyPr/>
+                    <a:lstStyle/>
+                    <a:p>
+                      <a:pPr algn="ctr"/>
+                      <a:endParaRPr lang="es-CO" sz="1200" kern="0" dirty="0">
+                        <a:effectLst/>
+                      </a:endParaRPr>
+                    </a:p>
+                    <a:p>
+                      <a:pPr algn="ctr"/>
+                      <a:r>
+                        <a:rPr lang="es-CO" sz="1200" kern="0" dirty="0">
+                          <a:effectLst/>
+                        </a:rPr>
+                        <a:t>Tasa de falsos positivos/negativos</a:t>
+                      </a:r>
+                      <a:endParaRPr lang="es-CO" sz="1200" kern="100" dirty="0">
                         <a:effectLst/>
                         <a:latin typeface="Poppins" pitchFamily="2" charset="77"/>
                         <a:ea typeface="Aptos" panose="020B0004020202020204" pitchFamily="34" charset="0"/>
@@ -11125,48 +11266,13 @@
                     <a:lstStyle/>
                     <a:p>
                       <a:pPr algn="ctr"/>
-                      <a:r>
-                        <a:rPr lang="es-CO" sz="1200" kern="0">
-                          <a:effectLst/>
-                        </a:rPr>
-                        <a:t>Capacidad del sistema para explicar sus decisiones (XAI)</a:t>
-                      </a:r>
-                      <a:endParaRPr lang="es-CO" sz="1200" kern="100">
-                        <a:effectLst/>
-                        <a:latin typeface="Poppins" pitchFamily="2" charset="77"/>
-                        <a:ea typeface="Aptos" panose="020B0004020202020204" pitchFamily="34" charset="0"/>
-                        <a:cs typeface="Poppins" pitchFamily="2" charset="77"/>
-                      </a:endParaRPr>
-                    </a:p>
-                  </a:txBody>
-                  <a:tcPr marL="47145" marR="47145" marT="0" marB="0"/>
-                </a:tc>
-                <a:tc>
-                  <a:txBody>
-                    <a:bodyPr/>
-                    <a:lstStyle/>
-                    <a:p>
-                      <a:pPr algn="ctr"/>
-                      <a:r>
-                        <a:rPr lang="es-CO" sz="1200" kern="0">
-                          <a:effectLst/>
-                        </a:rPr>
-                        <a:t>Nivel de comprensión por usuario</a:t>
-                      </a:r>
-                      <a:endParaRPr lang="es-CO" sz="1200" kern="100">
-                        <a:effectLst/>
-                        <a:latin typeface="Poppins" pitchFamily="2" charset="77"/>
-                        <a:ea typeface="Aptos" panose="020B0004020202020204" pitchFamily="34" charset="0"/>
-                        <a:cs typeface="Poppins" pitchFamily="2" charset="77"/>
-                      </a:endParaRPr>
-                    </a:p>
-                  </a:txBody>
-                  <a:tcPr marL="47145" marR="47145" marT="0" marB="0"/>
-                </a:tc>
-                <a:tc>
-                  <a:txBody>
-                    <a:bodyPr/>
-                    <a:lstStyle/>
+                      <a:endParaRPr lang="es-CO" sz="1200" kern="0" dirty="0">
+                        <a:effectLst/>
+                        <a:latin typeface="Poppins" pitchFamily="2" charset="77"/>
+                        <a:ea typeface="Aptos" panose="020B0004020202020204" pitchFamily="34" charset="0"/>
+                        <a:cs typeface="Poppins" pitchFamily="2" charset="77"/>
+                      </a:endParaRPr>
+                    </a:p>
                     <a:p>
                       <a:pPr algn="ctr"/>
                       <a:r>
@@ -11194,6 +11300,15 @@
                     <a:lstStyle/>
                     <a:p>
                       <a:pPr algn="ctr"/>
+                      <a:endParaRPr lang="es-CO" sz="1200" kern="0" dirty="0">
+                        <a:effectLst/>
+                        <a:latin typeface="Poppins" pitchFamily="2" charset="77"/>
+                        <a:ea typeface="Aptos" panose="020B0004020202020204" pitchFamily="34" charset="0"/>
+                        <a:cs typeface="Poppins" pitchFamily="2" charset="77"/>
+                      </a:endParaRPr>
+                    </a:p>
+                    <a:p>
+                      <a:pPr algn="ctr"/>
                       <a:r>
                         <a:rPr lang="es-CO" sz="1200" kern="0" dirty="0">
                           <a:effectLst/>
@@ -11201,7 +11316,7 @@
                           <a:ea typeface="Aptos" panose="020B0004020202020204" pitchFamily="34" charset="0"/>
                           <a:cs typeface="Poppins" pitchFamily="2" charset="77"/>
                         </a:rPr>
-                        <a:t>3</a:t>
+                        <a:t>2</a:t>
                       </a:r>
                       <a:endParaRPr lang="es-CO" sz="1200" kern="100" dirty="0">
                         <a:effectLst/>
@@ -11219,13 +11334,19 @@
                     <a:lstStyle/>
                     <a:p>
                       <a:pPr algn="ctr"/>
-                      <a:r>
-                        <a:rPr lang="es-CO" sz="1200" kern="0">
-                          <a:effectLst/>
-                        </a:rPr>
-                        <a:t>28</a:t>
-                      </a:r>
-                      <a:endParaRPr lang="es-CO" sz="1200" kern="100">
+                      <a:endParaRPr lang="es-CO" sz="1200" kern="0" dirty="0">
+                        <a:effectLst/>
+                      </a:endParaRPr>
+                    </a:p>
+                    <a:p>
+                      <a:pPr algn="ctr"/>
+                      <a:r>
+                        <a:rPr lang="es-CO" sz="1200" kern="0" dirty="0">
+                          <a:effectLst/>
+                        </a:rPr>
+                        <a:t>18</a:t>
+                      </a:r>
+                      <a:endParaRPr lang="es-CO" sz="1200" kern="100" dirty="0">
                         <a:effectLst/>
                         <a:latin typeface="Poppins" pitchFamily="2" charset="77"/>
                         <a:ea typeface="Aptos" panose="020B0004020202020204" pitchFamily="34" charset="0"/>
@@ -11239,6 +11360,15 @@
                   <a:txBody>
                     <a:bodyPr/>
                     <a:lstStyle/>
+                    <a:p>
+                      <a:pPr algn="ctr"/>
+                      <a:endParaRPr lang="es-CO" sz="1200" kern="0" dirty="0">
+                        <a:effectLst/>
+                        <a:latin typeface="Poppins" pitchFamily="2" charset="77"/>
+                        <a:ea typeface="Aptos" panose="020B0004020202020204" pitchFamily="34" charset="0"/>
+                        <a:cs typeface="Poppins" pitchFamily="2" charset="77"/>
+                      </a:endParaRPr>
+                    </a:p>
                     <a:p>
                       <a:pPr algn="ctr"/>
                       <a:r>
@@ -11248,7 +11378,7 @@
                           <a:ea typeface="Aptos" panose="020B0004020202020204" pitchFamily="34" charset="0"/>
                           <a:cs typeface="Poppins" pitchFamily="2" charset="77"/>
                         </a:rPr>
-                        <a:t>1.68</a:t>
+                        <a:t>0.90</a:t>
                       </a:r>
                       <a:endParaRPr lang="es-CO" sz="1200" kern="100" dirty="0">
                         <a:effectLst/>
@@ -11262,7 +11392,7 @@
                 </a:tc>
                 <a:extLst>
                   <a:ext uri="{0D108BD9-81ED-4DB2-BD59-A6C34878D82A}">
-                    <a16:rowId xmlns:a16="http://schemas.microsoft.com/office/drawing/2014/main" val="3694233315"/>
+                    <a16:rowId xmlns:a16="http://schemas.microsoft.com/office/drawing/2014/main" val="996671090"/>
                   </a:ext>
                 </a:extLst>
               </a:tr>
@@ -11274,17 +11404,32 @@
                     <a:p>
                       <a:pPr algn="ctr"/>
                       <a:r>
-                        <a:rPr lang="es-CO" sz="1200" kern="0">
+                        <a:rPr lang="es-CO" sz="1200" kern="0" dirty="0">
                           <a:effectLst/>
                         </a:rPr>
                         <a:t>Seguridad</a:t>
                       </a:r>
-                      <a:endParaRPr lang="es-CO" sz="1200" kern="100">
-                        <a:effectLst/>
-                        <a:latin typeface="Poppins" pitchFamily="2" charset="77"/>
-                        <a:ea typeface="Aptos" panose="020B0004020202020204" pitchFamily="34" charset="0"/>
-                        <a:cs typeface="Poppins" pitchFamily="2" charset="77"/>
-                      </a:endParaRPr>
+                    </a:p>
+                    <a:p>
+                      <a:pPr algn="ctr"/>
+                      <a:r>
+                        <a:rPr lang="es-CO" sz="1000" kern="100" dirty="0">
+                          <a:effectLst/>
+                          <a:latin typeface="Poppins" pitchFamily="2" charset="77"/>
+                          <a:ea typeface="Aptos" panose="020B0004020202020204" pitchFamily="34" charset="0"/>
+                          <a:cs typeface="Poppins" pitchFamily="2" charset="77"/>
+                        </a:rPr>
+                        <a:t>Subcategoría ISO: </a:t>
+                      </a:r>
+                      <a:r>
+                        <a:rPr lang="es-CO" sz="1000" b="0" kern="100" dirty="0">
+                          <a:effectLst/>
+                          <a:latin typeface="Poppins" pitchFamily="2" charset="77"/>
+                          <a:ea typeface="Aptos" panose="020B0004020202020204" pitchFamily="34" charset="0"/>
+                          <a:cs typeface="Poppins" pitchFamily="2" charset="77"/>
+                        </a:rPr>
+                        <a:t>Confidencialidad</a:t>
+                      </a:r>
                     </a:p>
                   </a:txBody>
                   <a:tcPr marL="47145" marR="47145" marT="0" marB="0"/>
@@ -11441,12 +11586,29 @@
                     <a:p>
                       <a:pPr algn="ctr"/>
                       <a:r>
-                        <a:rPr lang="es-CO" sz="1200" kern="0">
+                        <a:rPr lang="es-CO" sz="1200" kern="0" dirty="0">
                           <a:effectLst/>
                         </a:rPr>
                         <a:t>Mantenibilidad</a:t>
                       </a:r>
-                      <a:endParaRPr lang="es-CO" sz="1200" kern="100">
+                      <a:br>
+                        <a:rPr lang="es-CO" sz="1200" kern="0" dirty="0">
+                          <a:effectLst/>
+                        </a:rPr>
+                      </a:br>
+                      <a:r>
+                        <a:rPr lang="es-CO" sz="1100" kern="0" dirty="0">
+                          <a:effectLst/>
+                        </a:rPr>
+                        <a:t>Subcategoría ISO: </a:t>
+                      </a:r>
+                      <a:r>
+                        <a:rPr lang="es-CO" sz="1100" b="0" kern="0" dirty="0">
+                          <a:effectLst/>
+                        </a:rPr>
+                        <a:t>Modificabilidad</a:t>
+                      </a:r>
+                      <a:endParaRPr lang="es-CO" sz="1200" b="0" kern="100" dirty="0">
                         <a:effectLst/>
                         <a:latin typeface="Poppins" pitchFamily="2" charset="77"/>
                         <a:ea typeface="Aptos" panose="020B0004020202020204" pitchFamily="34" charset="0"/>
@@ -11608,17 +11770,32 @@
                     <a:p>
                       <a:pPr algn="ctr"/>
                       <a:r>
-                        <a:rPr lang="es-CO" sz="1200" kern="0">
+                        <a:rPr lang="es-CO" sz="1200" kern="0" dirty="0">
                           <a:effectLst/>
                         </a:rPr>
                         <a:t>Rendimiento</a:t>
                       </a:r>
-                      <a:endParaRPr lang="es-CO" sz="1200" kern="100">
-                        <a:effectLst/>
-                        <a:latin typeface="Poppins" pitchFamily="2" charset="77"/>
-                        <a:ea typeface="Aptos" panose="020B0004020202020204" pitchFamily="34" charset="0"/>
-                        <a:cs typeface="Poppins" pitchFamily="2" charset="77"/>
-                      </a:endParaRPr>
+                    </a:p>
+                    <a:p>
+                      <a:pPr algn="ctr"/>
+                      <a:r>
+                        <a:rPr lang="es-CO" sz="1000" kern="100" dirty="0">
+                          <a:effectLst/>
+                          <a:latin typeface="Poppins" pitchFamily="2" charset="77"/>
+                          <a:ea typeface="Aptos" panose="020B0004020202020204" pitchFamily="34" charset="0"/>
+                          <a:cs typeface="Poppins" pitchFamily="2" charset="77"/>
+                        </a:rPr>
+                        <a:t>Subcategoría ISO: </a:t>
+                      </a:r>
+                      <a:r>
+                        <a:rPr lang="es-CO" sz="1000" b="0" kern="100" dirty="0">
+                          <a:effectLst/>
+                          <a:latin typeface="Poppins" pitchFamily="2" charset="77"/>
+                          <a:ea typeface="Aptos" panose="020B0004020202020204" pitchFamily="34" charset="0"/>
+                          <a:cs typeface="Poppins" pitchFamily="2" charset="77"/>
+                        </a:rPr>
+                        <a:t>Tiempo de respuesta</a:t>
+                      </a:r>
                     </a:p>
                   </a:txBody>
                   <a:tcPr marL="47145" marR="47145" marT="0" marB="0"/>
@@ -11630,12 +11807,12 @@
                     <a:p>
                       <a:pPr algn="ctr"/>
                       <a:r>
-                        <a:rPr lang="es-CO" sz="1200" kern="0">
+                        <a:rPr lang="es-CO" sz="1200" kern="0" dirty="0">
                           <a:effectLst/>
                         </a:rPr>
                         <a:t>Tiempo de respuesta del modelo y de la aplicación</a:t>
                       </a:r>
-                      <a:endParaRPr lang="es-CO" sz="1200" kern="100">
+                      <a:endParaRPr lang="es-CO" sz="1200" kern="100" dirty="0">
                         <a:effectLst/>
                         <a:latin typeface="Poppins" pitchFamily="2" charset="77"/>
                         <a:ea typeface="Aptos" panose="020B0004020202020204" pitchFamily="34" charset="0"/>
